--- a/DsDotNet/src/UnitTest/UnitTest.Model/ImportOfficeExample/Sample/Lib/Conveyor/CV.pptx
+++ b/DsDotNet/src/UnitTest/UnitTest.Model/ImportOfficeExample/Sample/Lib/Conveyor/CV.pptx
@@ -3999,7 +3999,7 @@
           <a:effectLst/>
           <a:extLst>
             <a:ext uri="{91240B29-F687-4f45-9708-019B960494DF}">
-              <a14:hiddenLine xmlns:a14="http://schemas.microsoft.com/office/drawing/2010/main" xmlns="" w="9525">
+              <a14:hiddenLine xmlns="" xmlns:a14="http://schemas.microsoft.com/office/drawing/2010/main" w="9525">
                 <a:solidFill>
                   <a:srgbClr val="000000"/>
                 </a:solidFill>
@@ -4191,7 +4191,7 @@
           <a:p>
             <a:fld id="{3E1D827B-9946-4E0D-97BA-FFCB17A9AF00}" type="datetimeFigureOut">
               <a:rPr lang="ko-KR" altLang="en-US" smtClean="0"/>
-              <a:t>2022-12-20</a:t>
+              <a:t>2023-08-31</a:t>
             </a:fld>
             <a:endParaRPr lang="ko-KR" altLang="en-US"/>
           </a:p>
@@ -4509,7 +4509,7 @@
           <a:p>
             <a:fld id="{3E1D827B-9946-4E0D-97BA-FFCB17A9AF00}" type="datetimeFigureOut">
               <a:rPr lang="ko-KR" altLang="en-US" smtClean="0"/>
-              <a:t>2022-12-20</a:t>
+              <a:t>2023-08-31</a:t>
             </a:fld>
             <a:endParaRPr lang="ko-KR" altLang="en-US"/>
           </a:p>
@@ -4997,7 +4997,7 @@
           <a:p>
             <a:fld id="{3E1D827B-9946-4E0D-97BA-FFCB17A9AF00}" type="datetimeFigureOut">
               <a:rPr lang="ko-KR" altLang="en-US" smtClean="0"/>
-              <a:t>2022-12-20</a:t>
+              <a:t>2023-08-31</a:t>
             </a:fld>
             <a:endParaRPr lang="ko-KR" altLang="en-US"/>
           </a:p>
@@ -5366,7 +5366,7 @@
           <a:p>
             <a:fld id="{3E1D827B-9946-4E0D-97BA-FFCB17A9AF00}" type="datetimeFigureOut">
               <a:rPr lang="ko-KR" altLang="en-US" smtClean="0"/>
-              <a:t>2022-12-20</a:t>
+              <a:t>2023-08-31</a:t>
             </a:fld>
             <a:endParaRPr lang="ko-KR" altLang="en-US"/>
           </a:p>
@@ -5521,7 +5521,7 @@
           <a:ln/>
           <a:extLst>
             <a:ext uri="{91240B29-F687-4f45-9708-019B960494DF}">
-              <a14:hiddenLine xmlns:a14="http://schemas.microsoft.com/office/drawing/2010/main" xmlns="" w="9525">
+              <a14:hiddenLine xmlns="" xmlns:a14="http://schemas.microsoft.com/office/drawing/2010/main" w="9525">
                 <a:solidFill>
                   <a:srgbClr val="000000"/>
                 </a:solidFill>
@@ -5639,7 +5639,7 @@
           <a:p>
             <a:fld id="{3E1D827B-9946-4E0D-97BA-FFCB17A9AF00}" type="datetimeFigureOut">
               <a:rPr lang="ko-KR" altLang="en-US" smtClean="0"/>
-              <a:t>2022-12-20</a:t>
+              <a:t>2023-08-31</a:t>
             </a:fld>
             <a:endParaRPr lang="ko-KR" altLang="en-US"/>
           </a:p>
@@ -5796,7 +5796,7 @@
           <a:ln/>
           <a:extLst>
             <a:ext uri="{91240B29-F687-4f45-9708-019B960494DF}">
-              <a14:hiddenLine xmlns:a14="http://schemas.microsoft.com/office/drawing/2010/main" xmlns="" w="9525">
+              <a14:hiddenLine xmlns="" xmlns:a14="http://schemas.microsoft.com/office/drawing/2010/main" w="9525">
                 <a:solidFill>
                   <a:srgbClr val="000000"/>
                 </a:solidFill>
@@ -5924,7 +5924,7 @@
           <a:p>
             <a:fld id="{3E1D827B-9946-4E0D-97BA-FFCB17A9AF00}" type="datetimeFigureOut">
               <a:rPr lang="ko-KR" altLang="en-US" smtClean="0"/>
-              <a:t>2022-12-20</a:t>
+              <a:t>2023-08-31</a:t>
             </a:fld>
             <a:endParaRPr lang="ko-KR" altLang="en-US"/>
           </a:p>
@@ -6019,7 +6019,7 @@
           <a:p>
             <a:fld id="{3E1D827B-9946-4E0D-97BA-FFCB17A9AF00}" type="datetimeFigureOut">
               <a:rPr lang="ko-KR" altLang="en-US" smtClean="0"/>
-              <a:t>2022-12-20</a:t>
+              <a:t>2023-08-31</a:t>
             </a:fld>
             <a:endParaRPr lang="ko-KR" altLang="en-US"/>
           </a:p>
@@ -6244,7 +6244,7 @@
           <a:ln/>
           <a:extLst>
             <a:ext uri="{91240B29-F687-4f45-9708-019B960494DF}">
-              <a14:hiddenLine xmlns:a14="http://schemas.microsoft.com/office/drawing/2010/main" xmlns="" w="9525">
+              <a14:hiddenLine xmlns="" xmlns:a14="http://schemas.microsoft.com/office/drawing/2010/main" w="9525">
                 <a:solidFill>
                   <a:srgbClr val="000000"/>
                 </a:solidFill>
@@ -6372,7 +6372,7 @@
           <a:p>
             <a:fld id="{3E1D827B-9946-4E0D-97BA-FFCB17A9AF00}" type="datetimeFigureOut">
               <a:rPr lang="ko-KR" altLang="en-US" smtClean="0"/>
-              <a:t>2022-12-20</a:t>
+              <a:t>2023-08-31</a:t>
             </a:fld>
             <a:endParaRPr lang="ko-KR" altLang="en-US"/>
           </a:p>
@@ -6715,7 +6715,7 @@
           <a:p>
             <a:fld id="{3E1D827B-9946-4E0D-97BA-FFCB17A9AF00}" type="datetimeFigureOut">
               <a:rPr lang="ko-KR" altLang="en-US" smtClean="0"/>
-              <a:t>2022-12-20</a:t>
+              <a:t>2023-08-31</a:t>
             </a:fld>
             <a:endParaRPr lang="ko-KR" altLang="en-US"/>
           </a:p>
@@ -6870,7 +6870,7 @@
           <a:ln/>
           <a:extLst>
             <a:ext uri="{91240B29-F687-4f45-9708-019B960494DF}">
-              <a14:hiddenLine xmlns:a14="http://schemas.microsoft.com/office/drawing/2010/main" xmlns="" w="9525">
+              <a14:hiddenLine xmlns="" xmlns:a14="http://schemas.microsoft.com/office/drawing/2010/main" w="9525">
                 <a:solidFill>
                   <a:srgbClr val="000000"/>
                 </a:solidFill>
@@ -7054,7 +7054,7 @@
           <a:p>
             <a:fld id="{3E1D827B-9946-4E0D-97BA-FFCB17A9AF00}" type="datetimeFigureOut">
               <a:rPr lang="ko-KR" altLang="en-US" smtClean="0"/>
-              <a:t>2022-12-20</a:t>
+              <a:t>2023-08-31</a:t>
             </a:fld>
             <a:endParaRPr lang="ko-KR" altLang="en-US"/>
           </a:p>
@@ -7214,7 +7214,7 @@
           <a:ln/>
           <a:extLst>
             <a:ext uri="{91240B29-F687-4f45-9708-019B960494DF}">
-              <a14:hiddenLine xmlns:a14="http://schemas.microsoft.com/office/drawing/2010/main" xmlns="" w="9525">
+              <a14:hiddenLine xmlns="" xmlns:a14="http://schemas.microsoft.com/office/drawing/2010/main" w="9525">
                 <a:solidFill>
                   <a:srgbClr val="000000"/>
                 </a:solidFill>
@@ -7536,7 +7536,7 @@
           <a:p>
             <a:fld id="{3E1D827B-9946-4E0D-97BA-FFCB17A9AF00}" type="datetimeFigureOut">
               <a:rPr lang="ko-KR" altLang="en-US" smtClean="0"/>
-              <a:t>2022-12-20</a:t>
+              <a:t>2023-08-31</a:t>
             </a:fld>
             <a:endParaRPr lang="ko-KR" altLang="en-US"/>
           </a:p>
@@ -7696,7 +7696,7 @@
           <a:ln/>
           <a:extLst>
             <a:ext uri="{91240B29-F687-4f45-9708-019B960494DF}">
-              <a14:hiddenLine xmlns:a14="http://schemas.microsoft.com/office/drawing/2010/main" xmlns="" w="9525">
+              <a14:hiddenLine xmlns="" xmlns:a14="http://schemas.microsoft.com/office/drawing/2010/main" w="9525">
                 <a:solidFill>
                   <a:srgbClr val="000000"/>
                 </a:solidFill>
@@ -7762,7 +7762,7 @@
           <a:p>
             <a:fld id="{3E1D827B-9946-4E0D-97BA-FFCB17A9AF00}" type="datetimeFigureOut">
               <a:rPr lang="ko-KR" altLang="en-US" smtClean="0"/>
-              <a:t>2022-12-20</a:t>
+              <a:t>2023-08-31</a:t>
             </a:fld>
             <a:endParaRPr lang="ko-KR" altLang="en-US"/>
           </a:p>
@@ -7857,7 +7857,7 @@
           <a:p>
             <a:fld id="{3E1D827B-9946-4E0D-97BA-FFCB17A9AF00}" type="datetimeFigureOut">
               <a:rPr lang="ko-KR" altLang="en-US" smtClean="0"/>
-              <a:t>2022-12-20</a:t>
+              <a:t>2023-08-31</a:t>
             </a:fld>
             <a:endParaRPr lang="ko-KR" altLang="en-US"/>
           </a:p>
@@ -8125,7 +8125,7 @@
           <a:ln/>
           <a:extLst>
             <a:ext uri="{91240B29-F687-4f45-9708-019B960494DF}">
-              <a14:hiddenLine xmlns:a14="http://schemas.microsoft.com/office/drawing/2010/main" xmlns="" w="9525">
+              <a14:hiddenLine xmlns="" xmlns:a14="http://schemas.microsoft.com/office/drawing/2010/main" w="9525">
                 <a:solidFill>
                   <a:srgbClr val="000000"/>
                 </a:solidFill>
@@ -8324,7 +8324,7 @@
           <a:p>
             <a:fld id="{3E1D827B-9946-4E0D-97BA-FFCB17A9AF00}" type="datetimeFigureOut">
               <a:rPr lang="ko-KR" altLang="en-US" smtClean="0"/>
-              <a:t>2022-12-20</a:t>
+              <a:t>2023-08-31</a:t>
             </a:fld>
             <a:endParaRPr lang="ko-KR" altLang="en-US"/>
           </a:p>
@@ -8642,7 +8642,7 @@
           <a:p>
             <a:fld id="{3E1D827B-9946-4E0D-97BA-FFCB17A9AF00}" type="datetimeFigureOut">
               <a:rPr lang="ko-KR" altLang="en-US" smtClean="0"/>
-              <a:t>2022-12-20</a:t>
+              <a:t>2023-08-31</a:t>
             </a:fld>
             <a:endParaRPr lang="ko-KR" altLang="en-US"/>
           </a:p>
@@ -8912,7 +8912,7 @@
           <a:p>
             <a:fld id="{3E1D827B-9946-4E0D-97BA-FFCB17A9AF00}" type="datetimeFigureOut">
               <a:rPr lang="ko-KR" altLang="en-US" smtClean="0"/>
-              <a:t>2022-12-20</a:t>
+              <a:t>2023-08-31</a:t>
             </a:fld>
             <a:endParaRPr lang="ko-KR" altLang="en-US"/>
           </a:p>
@@ -9398,122 +9398,6 @@
       </p:sp>
       <p:sp>
         <p:nvSpPr>
-          <p:cNvPr id="6" name="직사각형 5">
-            <a:extLst>
-              <a:ext uri="{FF2B5EF4-FFF2-40B4-BE49-F238E27FC236}">
-                <a16:creationId xmlns:a16="http://schemas.microsoft.com/office/drawing/2014/main" id="{8AA16618-E80A-9399-7A59-B07B36127882}"/>
-              </a:ext>
-            </a:extLst>
-          </p:cNvPr>
-          <p:cNvSpPr/>
-          <p:nvPr/>
-        </p:nvSpPr>
-        <p:spPr>
-          <a:xfrm>
-            <a:off x="2909937" y="1301120"/>
-            <a:ext cx="1350913" cy="338529"/>
-          </a:xfrm>
-          <a:prstGeom prst="rect">
-            <a:avLst/>
-          </a:prstGeom>
-          <a:solidFill>
-            <a:schemeClr val="accent1">
-              <a:alpha val="14000"/>
-            </a:schemeClr>
-          </a:solidFill>
-          <a:ln w="9525" cap="flat" cmpd="sng" algn="ctr">
-            <a:solidFill>
-              <a:schemeClr val="accent3"/>
-            </a:solidFill>
-            <a:prstDash val="solid"/>
-            <a:round/>
-            <a:headEnd type="none" w="med" len="med"/>
-            <a:tailEnd type="none" w="med" len="med"/>
-          </a:ln>
-        </p:spPr>
-        <p:style>
-          <a:lnRef idx="0">
-            <a:scrgbClr r="0" g="0" b="0"/>
-          </a:lnRef>
-          <a:fillRef idx="0">
-            <a:scrgbClr r="0" g="0" b="0"/>
-          </a:fillRef>
-          <a:effectRef idx="0">
-            <a:scrgbClr r="0" g="0" b="0"/>
-          </a:effectRef>
-          <a:fontRef idx="minor">
-            <a:schemeClr val="accent3"/>
-          </a:fontRef>
-        </p:style>
-        <p:txBody>
-          <a:bodyPr rtlCol="0" anchor="t"/>
-          <a:lstStyle/>
-          <a:p>
-            <a:pPr algn="ctr"/>
-            <a:r>
-              <a:rPr lang="en-US" altLang="ko-KR" sz="900" b="1">
-                <a:solidFill>
-                  <a:schemeClr val="tx1"/>
-                </a:solidFill>
-              </a:rPr>
-              <a:t>CV+</a:t>
-            </a:r>
-            <a:endParaRPr lang="en-US" altLang="ko-KR" sz="900" b="1" dirty="0">
-              <a:solidFill>
-                <a:schemeClr val="tx1"/>
-              </a:solidFill>
-            </a:endParaRPr>
-          </a:p>
-        </p:txBody>
-      </p:sp>
-      <p:cxnSp>
-        <p:nvCxnSpPr>
-          <p:cNvPr id="7" name="연결선: 꺾임 6">
-            <a:extLst>
-              <a:ext uri="{FF2B5EF4-FFF2-40B4-BE49-F238E27FC236}">
-                <a16:creationId xmlns:a16="http://schemas.microsoft.com/office/drawing/2014/main" id="{0FEC8FDD-6FEF-EA0B-692A-E4C17B43DE11}"/>
-              </a:ext>
-            </a:extLst>
-          </p:cNvPr>
-          <p:cNvCxnSpPr>
-            <a:cxnSpLocks/>
-            <a:stCxn id="6" idx="3"/>
-            <a:endCxn id="43" idx="1"/>
-          </p:cNvCxnSpPr>
-          <p:nvPr/>
-        </p:nvCxnSpPr>
-        <p:spPr>
-          <a:xfrm flipV="1">
-            <a:off x="4260850" y="1470384"/>
-            <a:ext cx="540280" cy="1"/>
-          </a:xfrm>
-          <a:prstGeom prst="bentConnector3">
-            <a:avLst>
-              <a:gd name="adj1" fmla="val 50000"/>
-            </a:avLst>
-          </a:prstGeom>
-          <a:ln w="38100">
-            <a:headEnd type="oval" w="med" len="med"/>
-            <a:tailEnd type="triangle" w="med" len="med"/>
-          </a:ln>
-        </p:spPr>
-        <p:style>
-          <a:lnRef idx="1">
-            <a:schemeClr val="accent1"/>
-          </a:lnRef>
-          <a:fillRef idx="0">
-            <a:schemeClr val="accent1"/>
-          </a:fillRef>
-          <a:effectRef idx="0">
-            <a:schemeClr val="accent1"/>
-          </a:effectRef>
-          <a:fontRef idx="minor">
-            <a:schemeClr val="tx1"/>
-          </a:fontRef>
-        </p:style>
-      </p:cxnSp>
-      <p:sp>
-        <p:nvSpPr>
           <p:cNvPr id="16" name="화살표: 오각형 15">
             <a:extLst>
               <a:ext uri="{FF2B5EF4-FFF2-40B4-BE49-F238E27FC236}">
@@ -9526,8 +9410,8 @@
         </p:nvSpPr>
         <p:spPr>
           <a:xfrm>
-            <a:off x="253377" y="104588"/>
-            <a:ext cx="1587500" cy="477059"/>
+            <a:off x="253376" y="104588"/>
+            <a:ext cx="2809864" cy="477059"/>
           </a:xfrm>
           <a:prstGeom prst="homePlate">
             <a:avLst/>
@@ -9561,305 +9445,26 @@
           <a:p>
             <a:pPr algn="ctr"/>
             <a:r>
-              <a:rPr lang="en-US" altLang="ko-KR" sz="1100"/>
+              <a:rPr lang="en-US" altLang="ko-KR" sz="1100" dirty="0"/>
               <a:t>GO</a:t>
             </a:r>
-            <a:endParaRPr lang="en-US" altLang="ko-KR" sz="1100" dirty="0"/>
           </a:p>
           <a:p>
             <a:pPr algn="ctr"/>
             <a:r>
               <a:rPr lang="en-US" altLang="ko-KR" sz="1100" dirty="0"/>
-              <a:t>[CV+ ~ Part]</a:t>
+              <a:t>[CV ~ REMOVE</a:t>
             </a:r>
-          </a:p>
-        </p:txBody>
-      </p:sp>
-      <p:sp>
-        <p:nvSpPr>
-          <p:cNvPr id="40" name="화살표: 오각형 39">
-            <a:extLst>
-              <a:ext uri="{FF2B5EF4-FFF2-40B4-BE49-F238E27FC236}">
-                <a16:creationId xmlns:a16="http://schemas.microsoft.com/office/drawing/2014/main" id="{ECC0BC44-64A6-821F-5D9C-85997A32FE8B}"/>
-              </a:ext>
-            </a:extLst>
-          </p:cNvPr>
-          <p:cNvSpPr/>
-          <p:nvPr/>
-        </p:nvSpPr>
-        <p:spPr>
-          <a:xfrm>
-            <a:off x="253377" y="704120"/>
-            <a:ext cx="1587500" cy="477059"/>
-          </a:xfrm>
-          <a:prstGeom prst="homePlate">
-            <a:avLst/>
-          </a:prstGeom>
-          <a:solidFill>
-            <a:schemeClr val="accent4">
-              <a:alpha val="50000"/>
-            </a:schemeClr>
-          </a:solidFill>
-          <a:ln>
-            <a:noFill/>
-          </a:ln>
-        </p:spPr>
-        <p:style>
-          <a:lnRef idx="0">
-            <a:scrgbClr r="0" g="0" b="0"/>
-          </a:lnRef>
-          <a:fillRef idx="0">
-            <a:scrgbClr r="0" g="0" b="0"/>
-          </a:fillRef>
-          <a:effectRef idx="0">
-            <a:scrgbClr r="0" g="0" b="0"/>
-          </a:effectRef>
-          <a:fontRef idx="minor">
-            <a:schemeClr val="lt1"/>
-          </a:fontRef>
-        </p:style>
-        <p:txBody>
-          <a:bodyPr rtlCol="0" anchor="ctr"/>
-          <a:lstStyle/>
-          <a:p>
-            <a:pPr algn="ctr"/>
-            <a:r>
-              <a:rPr lang="en-US" altLang="ko-KR" sz="800" b="1" dirty="0">
-                <a:solidFill>
-                  <a:schemeClr val="tx1"/>
-                </a:solidFill>
-                <a:latin typeface="맑은 고딕" panose="020F0502020204030204"/>
-                <a:ea typeface="맑은 고딕" panose="020B0503020000020004" pitchFamily="50" charset="-127"/>
-              </a:rPr>
-              <a:t>PARTOFF</a:t>
-            </a:r>
-            <a:endParaRPr lang="en-US" altLang="ko-KR" sz="1100" dirty="0"/>
           </a:p>
           <a:p>
             <a:pPr algn="ctr"/>
             <a:r>
               <a:rPr lang="en-US" altLang="ko-KR" sz="1100" dirty="0"/>
-              <a:t>[Part Remove ~ _]</a:t>
+              <a:t>PART]</a:t>
             </a:r>
           </a:p>
         </p:txBody>
       </p:sp>
-      <p:sp>
-        <p:nvSpPr>
-          <p:cNvPr id="43" name="직사각형 42">
-            <a:extLst>
-              <a:ext uri="{FF2B5EF4-FFF2-40B4-BE49-F238E27FC236}">
-                <a16:creationId xmlns:a16="http://schemas.microsoft.com/office/drawing/2014/main" id="{C9A55BD4-7B2C-2122-F7CE-DA67EF0CE954}"/>
-              </a:ext>
-            </a:extLst>
-          </p:cNvPr>
-          <p:cNvSpPr/>
-          <p:nvPr/>
-        </p:nvSpPr>
-        <p:spPr>
-          <a:xfrm>
-            <a:off x="4801130" y="1301119"/>
-            <a:ext cx="1350913" cy="338529"/>
-          </a:xfrm>
-          <a:prstGeom prst="rect">
-            <a:avLst/>
-          </a:prstGeom>
-          <a:noFill/>
-          <a:ln w="9525" cap="flat" cmpd="sng" algn="ctr">
-            <a:solidFill>
-              <a:schemeClr val="accent3"/>
-            </a:solidFill>
-            <a:prstDash val="solid"/>
-            <a:round/>
-            <a:headEnd type="none" w="med" len="med"/>
-            <a:tailEnd type="none" w="med" len="med"/>
-          </a:ln>
-        </p:spPr>
-        <p:style>
-          <a:lnRef idx="0">
-            <a:scrgbClr r="0" g="0" b="0"/>
-          </a:lnRef>
-          <a:fillRef idx="0">
-            <a:scrgbClr r="0" g="0" b="0"/>
-          </a:fillRef>
-          <a:effectRef idx="0">
-            <a:scrgbClr r="0" g="0" b="0"/>
-          </a:effectRef>
-          <a:fontRef idx="minor">
-            <a:schemeClr val="accent3"/>
-          </a:fontRef>
-        </p:style>
-        <p:txBody>
-          <a:bodyPr rtlCol="0" anchor="t"/>
-          <a:lstStyle/>
-          <a:p>
-            <a:pPr algn="ctr"/>
-            <a:r>
-              <a:rPr lang="en-US" altLang="ko-KR" sz="900" b="1" dirty="0">
-                <a:solidFill>
-                  <a:schemeClr val="tx1"/>
-                </a:solidFill>
-              </a:rPr>
-              <a:t>Part</a:t>
-            </a:r>
-          </a:p>
-        </p:txBody>
-      </p:sp>
-      <p:cxnSp>
-        <p:nvCxnSpPr>
-          <p:cNvPr id="53" name="직선 화살표 연결선 52">
-            <a:extLst>
-              <a:ext uri="{FF2B5EF4-FFF2-40B4-BE49-F238E27FC236}">
-                <a16:creationId xmlns:a16="http://schemas.microsoft.com/office/drawing/2014/main" id="{9BA9D702-2F9A-7636-EAE1-C63017D0FA49}"/>
-              </a:ext>
-            </a:extLst>
-          </p:cNvPr>
-          <p:cNvCxnSpPr>
-            <a:cxnSpLocks/>
-            <a:stCxn id="65" idx="3"/>
-            <a:endCxn id="43" idx="2"/>
-          </p:cNvCxnSpPr>
-          <p:nvPr/>
-        </p:nvCxnSpPr>
-        <p:spPr>
-          <a:xfrm flipV="1">
-            <a:off x="4260850" y="1639648"/>
-            <a:ext cx="1215737" cy="1036016"/>
-          </a:xfrm>
-          <a:prstGeom prst="straightConnector1">
-            <a:avLst/>
-          </a:prstGeom>
-          <a:ln w="38100">
-            <a:prstDash val="dash"/>
-            <a:tailEnd type="triangle"/>
-          </a:ln>
-        </p:spPr>
-        <p:style>
-          <a:lnRef idx="1">
-            <a:schemeClr val="accent1"/>
-          </a:lnRef>
-          <a:fillRef idx="0">
-            <a:schemeClr val="accent1"/>
-          </a:fillRef>
-          <a:effectRef idx="0">
-            <a:schemeClr val="accent1"/>
-          </a:effectRef>
-          <a:fontRef idx="minor">
-            <a:schemeClr val="tx1"/>
-          </a:fontRef>
-        </p:style>
-      </p:cxnSp>
-      <p:sp>
-        <p:nvSpPr>
-          <p:cNvPr id="65" name="직사각형 64">
-            <a:extLst>
-              <a:ext uri="{FF2B5EF4-FFF2-40B4-BE49-F238E27FC236}">
-                <a16:creationId xmlns:a16="http://schemas.microsoft.com/office/drawing/2014/main" id="{855E1211-5C21-1643-C04E-FD11912DF3DE}"/>
-              </a:ext>
-            </a:extLst>
-          </p:cNvPr>
-          <p:cNvSpPr/>
-          <p:nvPr/>
-        </p:nvSpPr>
-        <p:spPr>
-          <a:xfrm>
-            <a:off x="2909937" y="2506399"/>
-            <a:ext cx="1350913" cy="338529"/>
-          </a:xfrm>
-          <a:prstGeom prst="rect">
-            <a:avLst/>
-          </a:prstGeom>
-          <a:solidFill>
-            <a:schemeClr val="accent1">
-              <a:alpha val="14000"/>
-            </a:schemeClr>
-          </a:solidFill>
-          <a:ln w="9525" cap="flat" cmpd="sng" algn="ctr">
-            <a:solidFill>
-              <a:schemeClr val="accent3"/>
-            </a:solidFill>
-            <a:prstDash val="solid"/>
-            <a:round/>
-            <a:headEnd type="none" w="med" len="med"/>
-            <a:tailEnd type="none" w="med" len="med"/>
-          </a:ln>
-        </p:spPr>
-        <p:style>
-          <a:lnRef idx="0">
-            <a:scrgbClr r="0" g="0" b="0"/>
-          </a:lnRef>
-          <a:fillRef idx="0">
-            <a:scrgbClr r="0" g="0" b="0"/>
-          </a:fillRef>
-          <a:effectRef idx="0">
-            <a:scrgbClr r="0" g="0" b="0"/>
-          </a:effectRef>
-          <a:fontRef idx="minor">
-            <a:schemeClr val="accent3"/>
-          </a:fontRef>
-        </p:style>
-        <p:txBody>
-          <a:bodyPr rtlCol="0" anchor="t"/>
-          <a:lstStyle/>
-          <a:p>
-            <a:pPr algn="ctr"/>
-            <a:r>
-              <a:rPr lang="en-US" altLang="ko-KR" sz="900" b="1" dirty="0">
-                <a:solidFill>
-                  <a:schemeClr val="tx1"/>
-                </a:solidFill>
-              </a:rPr>
-              <a:t>Part Remove</a:t>
-            </a:r>
-          </a:p>
-        </p:txBody>
-      </p:sp>
-      <p:cxnSp>
-        <p:nvCxnSpPr>
-          <p:cNvPr id="66" name="연결선: 꺾임 65">
-            <a:extLst>
-              <a:ext uri="{FF2B5EF4-FFF2-40B4-BE49-F238E27FC236}">
-                <a16:creationId xmlns:a16="http://schemas.microsoft.com/office/drawing/2014/main" id="{E88348E5-4256-7A42-8F53-4E79168D9D10}"/>
-              </a:ext>
-            </a:extLst>
-          </p:cNvPr>
-          <p:cNvCxnSpPr>
-            <a:stCxn id="65" idx="2"/>
-            <a:endCxn id="65" idx="1"/>
-          </p:cNvCxnSpPr>
-          <p:nvPr/>
-        </p:nvCxnSpPr>
-        <p:spPr>
-          <a:xfrm rot="5400000" flipH="1">
-            <a:off x="3163034" y="2422568"/>
-            <a:ext cx="169264" cy="675457"/>
-          </a:xfrm>
-          <a:prstGeom prst="bentConnector4">
-            <a:avLst>
-              <a:gd name="adj1" fmla="val -135055"/>
-              <a:gd name="adj2" fmla="val 133844"/>
-            </a:avLst>
-          </a:prstGeom>
-          <a:ln w="38100">
-            <a:prstDash val="dash"/>
-            <a:tailEnd type="triangle"/>
-          </a:ln>
-        </p:spPr>
-        <p:style>
-          <a:lnRef idx="1">
-            <a:schemeClr val="accent1"/>
-          </a:lnRef>
-          <a:fillRef idx="0">
-            <a:schemeClr val="accent1"/>
-          </a:fillRef>
-          <a:effectRef idx="0">
-            <a:schemeClr val="accent1"/>
-          </a:effectRef>
-          <a:fontRef idx="minor">
-            <a:schemeClr val="tx1"/>
-          </a:fontRef>
-        </p:style>
-      </p:cxnSp>
       <p:grpSp>
         <p:nvGrpSpPr>
           <p:cNvPr id="67" name="그룹 66">
@@ -10176,6 +9781,391 @@
           </p:txBody>
         </p:sp>
       </p:grpSp>
+      <p:cxnSp>
+        <p:nvCxnSpPr>
+          <p:cNvPr id="8" name="직선 화살표 연결선 7">
+            <a:extLst>
+              <a:ext uri="{FF2B5EF4-FFF2-40B4-BE49-F238E27FC236}">
+                <a16:creationId xmlns:a16="http://schemas.microsoft.com/office/drawing/2014/main" id="{B1D558C3-9CFB-82B9-FA4F-1CE08812A212}"/>
+              </a:ext>
+            </a:extLst>
+          </p:cNvPr>
+          <p:cNvCxnSpPr>
+            <a:cxnSpLocks/>
+            <a:stCxn id="9" idx="3"/>
+            <a:endCxn id="14" idx="1"/>
+          </p:cNvCxnSpPr>
+          <p:nvPr/>
+        </p:nvCxnSpPr>
+        <p:spPr>
+          <a:xfrm flipV="1">
+            <a:off x="2705254" y="2068225"/>
+            <a:ext cx="2863696" cy="1360775"/>
+          </a:xfrm>
+          <a:prstGeom prst="straightConnector1">
+            <a:avLst/>
+          </a:prstGeom>
+          <a:ln>
+            <a:tailEnd type="triangle"/>
+          </a:ln>
+        </p:spPr>
+        <p:style>
+          <a:lnRef idx="1">
+            <a:schemeClr val="accent1"/>
+          </a:lnRef>
+          <a:fillRef idx="0">
+            <a:schemeClr val="accent1"/>
+          </a:fillRef>
+          <a:effectRef idx="0">
+            <a:schemeClr val="accent1"/>
+          </a:effectRef>
+          <a:fontRef idx="minor">
+            <a:schemeClr val="tx1"/>
+          </a:fontRef>
+        </p:style>
+      </p:cxnSp>
+      <p:sp>
+        <p:nvSpPr>
+          <p:cNvPr id="9" name="직사각형 8">
+            <a:extLst>
+              <a:ext uri="{FF2B5EF4-FFF2-40B4-BE49-F238E27FC236}">
+                <a16:creationId xmlns:a16="http://schemas.microsoft.com/office/drawing/2014/main" id="{7E771E41-8B06-806D-EEFF-D4432E6073FF}"/>
+              </a:ext>
+            </a:extLst>
+          </p:cNvPr>
+          <p:cNvSpPr/>
+          <p:nvPr/>
+        </p:nvSpPr>
+        <p:spPr>
+          <a:xfrm>
+            <a:off x="2041821" y="3132765"/>
+            <a:ext cx="663433" cy="592469"/>
+          </a:xfrm>
+          <a:prstGeom prst="rect">
+            <a:avLst/>
+          </a:prstGeom>
+        </p:spPr>
+        <p:style>
+          <a:lnRef idx="2">
+            <a:schemeClr val="accent1">
+              <a:shade val="15000"/>
+            </a:schemeClr>
+          </a:lnRef>
+          <a:fillRef idx="1">
+            <a:schemeClr val="accent1"/>
+          </a:fillRef>
+          <a:effectRef idx="0">
+            <a:schemeClr val="accent1"/>
+          </a:effectRef>
+          <a:fontRef idx="minor">
+            <a:schemeClr val="lt1"/>
+          </a:fontRef>
+        </p:style>
+        <p:txBody>
+          <a:bodyPr rtlCol="0" anchor="ctr"/>
+          <a:lstStyle/>
+          <a:p>
+            <a:pPr algn="ctr"/>
+            <a:r>
+              <a:rPr lang="en-US" altLang="ko-KR" dirty="0"/>
+              <a:t>CV</a:t>
+            </a:r>
+            <a:endParaRPr lang="ko-KR" altLang="en-US" dirty="0"/>
+          </a:p>
+        </p:txBody>
+      </p:sp>
+      <p:sp>
+        <p:nvSpPr>
+          <p:cNvPr id="10" name="직사각형 9">
+            <a:extLst>
+              <a:ext uri="{FF2B5EF4-FFF2-40B4-BE49-F238E27FC236}">
+                <a16:creationId xmlns:a16="http://schemas.microsoft.com/office/drawing/2014/main" id="{A01EE76B-9D9E-ECAB-0305-789211E80BAC}"/>
+              </a:ext>
+            </a:extLst>
+          </p:cNvPr>
+          <p:cNvSpPr/>
+          <p:nvPr/>
+        </p:nvSpPr>
+        <p:spPr>
+          <a:xfrm>
+            <a:off x="5552752" y="3132765"/>
+            <a:ext cx="1476709" cy="592469"/>
+          </a:xfrm>
+          <a:prstGeom prst="rect">
+            <a:avLst/>
+          </a:prstGeom>
+        </p:spPr>
+        <p:style>
+          <a:lnRef idx="2">
+            <a:schemeClr val="accent1">
+              <a:shade val="15000"/>
+            </a:schemeClr>
+          </a:lnRef>
+          <a:fillRef idx="1">
+            <a:schemeClr val="accent1"/>
+          </a:fillRef>
+          <a:effectRef idx="0">
+            <a:schemeClr val="accent1"/>
+          </a:effectRef>
+          <a:fontRef idx="minor">
+            <a:schemeClr val="lt1"/>
+          </a:fontRef>
+        </p:style>
+        <p:txBody>
+          <a:bodyPr rtlCol="0" anchor="ctr"/>
+          <a:lstStyle/>
+          <a:p>
+            <a:pPr algn="ctr"/>
+            <a:r>
+              <a:rPr lang="en-US" altLang="ko-KR" dirty="0"/>
+              <a:t>MOVE</a:t>
+            </a:r>
+          </a:p>
+          <a:p>
+            <a:pPr algn="ctr"/>
+            <a:r>
+              <a:rPr lang="en-US" altLang="ko-KR" sz="1800" dirty="0"/>
+              <a:t>PART</a:t>
+            </a:r>
+            <a:endParaRPr lang="ko-KR" altLang="en-US" dirty="0"/>
+          </a:p>
+        </p:txBody>
+      </p:sp>
+      <p:sp>
+        <p:nvSpPr>
+          <p:cNvPr id="14" name="직사각형 13">
+            <a:extLst>
+              <a:ext uri="{FF2B5EF4-FFF2-40B4-BE49-F238E27FC236}">
+                <a16:creationId xmlns:a16="http://schemas.microsoft.com/office/drawing/2014/main" id="{B5781ECE-D49C-54B2-91DB-E036B122381E}"/>
+              </a:ext>
+            </a:extLst>
+          </p:cNvPr>
+          <p:cNvSpPr/>
+          <p:nvPr/>
+        </p:nvSpPr>
+        <p:spPr>
+          <a:xfrm>
+            <a:off x="5568950" y="1771990"/>
+            <a:ext cx="1444314" cy="592469"/>
+          </a:xfrm>
+          <a:prstGeom prst="rect">
+            <a:avLst/>
+          </a:prstGeom>
+        </p:spPr>
+        <p:style>
+          <a:lnRef idx="2">
+            <a:schemeClr val="accent1">
+              <a:shade val="15000"/>
+            </a:schemeClr>
+          </a:lnRef>
+          <a:fillRef idx="1">
+            <a:schemeClr val="accent1"/>
+          </a:fillRef>
+          <a:effectRef idx="0">
+            <a:schemeClr val="accent1"/>
+          </a:effectRef>
+          <a:fontRef idx="minor">
+            <a:schemeClr val="lt1"/>
+          </a:fontRef>
+        </p:style>
+        <p:txBody>
+          <a:bodyPr rtlCol="0" anchor="ctr"/>
+          <a:lstStyle/>
+          <a:p>
+            <a:pPr algn="ctr"/>
+            <a:r>
+              <a:rPr lang="en-US" altLang="ko-KR" sz="1800" dirty="0"/>
+              <a:t>REMOVE</a:t>
+            </a:r>
+          </a:p>
+          <a:p>
+            <a:pPr algn="ctr"/>
+            <a:r>
+              <a:rPr lang="en-US" altLang="ko-KR" sz="1800" dirty="0"/>
+              <a:t>PART</a:t>
+            </a:r>
+            <a:endParaRPr lang="ko-KR" altLang="en-US" dirty="0"/>
+          </a:p>
+        </p:txBody>
+      </p:sp>
+      <p:cxnSp>
+        <p:nvCxnSpPr>
+          <p:cNvPr id="37" name="직선 화살표 연결선 36">
+            <a:extLst>
+              <a:ext uri="{FF2B5EF4-FFF2-40B4-BE49-F238E27FC236}">
+                <a16:creationId xmlns:a16="http://schemas.microsoft.com/office/drawing/2014/main" id="{0F6E1926-93C8-9470-EB99-11FDA8D81BD1}"/>
+              </a:ext>
+            </a:extLst>
+          </p:cNvPr>
+          <p:cNvCxnSpPr>
+            <a:cxnSpLocks/>
+            <a:stCxn id="14" idx="2"/>
+            <a:endCxn id="10" idx="0"/>
+          </p:cNvCxnSpPr>
+          <p:nvPr/>
+        </p:nvCxnSpPr>
+        <p:spPr>
+          <a:xfrm>
+            <a:off x="6291107" y="2364459"/>
+            <a:ext cx="0" cy="768306"/>
+          </a:xfrm>
+          <a:prstGeom prst="straightConnector1">
+            <a:avLst/>
+          </a:prstGeom>
+          <a:ln>
+            <a:prstDash val="dash"/>
+            <a:headEnd type="arrow" w="med" len="med"/>
+            <a:tailEnd type="arrow" w="med" len="med"/>
+          </a:ln>
+        </p:spPr>
+        <p:style>
+          <a:lnRef idx="1">
+            <a:schemeClr val="accent1"/>
+          </a:lnRef>
+          <a:fillRef idx="0">
+            <a:schemeClr val="accent1"/>
+          </a:fillRef>
+          <a:effectRef idx="0">
+            <a:schemeClr val="accent1"/>
+          </a:effectRef>
+          <a:fontRef idx="minor">
+            <a:schemeClr val="tx1"/>
+          </a:fontRef>
+        </p:style>
+      </p:cxnSp>
+      <p:cxnSp>
+        <p:nvCxnSpPr>
+          <p:cNvPr id="47" name="직선 화살표 연결선 46">
+            <a:extLst>
+              <a:ext uri="{FF2B5EF4-FFF2-40B4-BE49-F238E27FC236}">
+                <a16:creationId xmlns:a16="http://schemas.microsoft.com/office/drawing/2014/main" id="{9C81FEB0-FA7B-6696-7C59-F22FE51FA226}"/>
+              </a:ext>
+            </a:extLst>
+          </p:cNvPr>
+          <p:cNvCxnSpPr>
+            <a:cxnSpLocks/>
+            <a:stCxn id="9" idx="3"/>
+            <a:endCxn id="10" idx="1"/>
+          </p:cNvCxnSpPr>
+          <p:nvPr/>
+        </p:nvCxnSpPr>
+        <p:spPr>
+          <a:xfrm>
+            <a:off x="2705254" y="3429000"/>
+            <a:ext cx="2847498" cy="0"/>
+          </a:xfrm>
+          <a:prstGeom prst="straightConnector1">
+            <a:avLst/>
+          </a:prstGeom>
+          <a:ln>
+            <a:tailEnd type="triangle"/>
+          </a:ln>
+        </p:spPr>
+        <p:style>
+          <a:lnRef idx="1">
+            <a:schemeClr val="accent1"/>
+          </a:lnRef>
+          <a:fillRef idx="0">
+            <a:schemeClr val="accent1"/>
+          </a:fillRef>
+          <a:effectRef idx="0">
+            <a:schemeClr val="accent1"/>
+          </a:effectRef>
+          <a:fontRef idx="minor">
+            <a:schemeClr val="tx1"/>
+          </a:fontRef>
+        </p:style>
+      </p:cxnSp>
+      <p:cxnSp>
+        <p:nvCxnSpPr>
+          <p:cNvPr id="59" name="연결선: 꺾임 58">
+            <a:extLst>
+              <a:ext uri="{FF2B5EF4-FFF2-40B4-BE49-F238E27FC236}">
+                <a16:creationId xmlns:a16="http://schemas.microsoft.com/office/drawing/2014/main" id="{8A772A4D-C78F-3FD4-5812-B984CBE5779D}"/>
+              </a:ext>
+            </a:extLst>
+          </p:cNvPr>
+          <p:cNvCxnSpPr>
+            <a:stCxn id="14" idx="3"/>
+            <a:endCxn id="10" idx="3"/>
+          </p:cNvCxnSpPr>
+          <p:nvPr/>
+        </p:nvCxnSpPr>
+        <p:spPr>
+          <a:xfrm>
+            <a:off x="7013264" y="2068225"/>
+            <a:ext cx="16197" cy="1360775"/>
+          </a:xfrm>
+          <a:prstGeom prst="bentConnector3">
+            <a:avLst>
+              <a:gd name="adj1" fmla="val 1511372"/>
+            </a:avLst>
+          </a:prstGeom>
+          <a:ln>
+            <a:tailEnd type="triangle"/>
+          </a:ln>
+        </p:spPr>
+        <p:style>
+          <a:lnRef idx="1">
+            <a:schemeClr val="accent1"/>
+          </a:lnRef>
+          <a:fillRef idx="0">
+            <a:schemeClr val="accent1"/>
+          </a:fillRef>
+          <a:effectRef idx="0">
+            <a:schemeClr val="accent1"/>
+          </a:effectRef>
+          <a:fontRef idx="minor">
+            <a:schemeClr val="tx1"/>
+          </a:fontRef>
+        </p:style>
+      </p:cxnSp>
+      <p:cxnSp>
+        <p:nvCxnSpPr>
+          <p:cNvPr id="64" name="연결선: 꺾임 63">
+            <a:extLst>
+              <a:ext uri="{FF2B5EF4-FFF2-40B4-BE49-F238E27FC236}">
+                <a16:creationId xmlns:a16="http://schemas.microsoft.com/office/drawing/2014/main" id="{09E76309-4039-7789-9937-4F982EBC86B5}"/>
+              </a:ext>
+            </a:extLst>
+          </p:cNvPr>
+          <p:cNvCxnSpPr>
+            <a:cxnSpLocks/>
+            <a:stCxn id="10" idx="2"/>
+            <a:endCxn id="9" idx="2"/>
+          </p:cNvCxnSpPr>
+          <p:nvPr/>
+        </p:nvCxnSpPr>
+        <p:spPr>
+          <a:xfrm rot="5400000">
+            <a:off x="4332323" y="1766450"/>
+            <a:ext cx="12700" cy="3917569"/>
+          </a:xfrm>
+          <a:prstGeom prst="bentConnector3">
+            <a:avLst>
+              <a:gd name="adj1" fmla="val 1800000"/>
+            </a:avLst>
+          </a:prstGeom>
+          <a:ln>
+            <a:prstDash val="dash"/>
+            <a:tailEnd type="triangle"/>
+          </a:ln>
+        </p:spPr>
+        <p:style>
+          <a:lnRef idx="1">
+            <a:schemeClr val="accent1"/>
+          </a:lnRef>
+          <a:fillRef idx="0">
+            <a:schemeClr val="accent1"/>
+          </a:fillRef>
+          <a:effectRef idx="0">
+            <a:schemeClr val="accent1"/>
+          </a:effectRef>
+          <a:fontRef idx="minor">
+            <a:schemeClr val="tx1"/>
+          </a:fontRef>
+        </p:style>
+      </p:cxnSp>
     </p:spTree>
     <p:extLst>
       <p:ext uri="{BB962C8B-B14F-4D97-AF65-F5344CB8AC3E}">

--- a/DsDotNet/src/UnitTest/UnitTest.Model/ImportOfficeExample/Sample/Lib/Conveyor/CV.pptx
+++ b/DsDotNet/src/UnitTest/UnitTest.Model/ImportOfficeExample/Sample/Lib/Conveyor/CV.pptx
@@ -9411,7 +9411,7 @@
         <p:spPr>
           <a:xfrm>
             <a:off x="253376" y="104588"/>
-            <a:ext cx="2809864" cy="477059"/>
+            <a:ext cx="5751184" cy="1150034"/>
           </a:xfrm>
           <a:prstGeom prst="homePlate">
             <a:avLst/>
@@ -9453,7 +9453,15 @@
             <a:pPr algn="ctr"/>
             <a:r>
               <a:rPr lang="en-US" altLang="ko-KR" sz="1100" dirty="0"/>
-              <a:t>[CV ~ REMOVE</a:t>
+              <a:t>[MOTOR</a:t>
+            </a:r>
+            <a:endParaRPr lang="ko-KR" altLang="en-US" sz="1100" dirty="0"/>
+          </a:p>
+          <a:p>
+            <a:pPr algn="ctr"/>
+            <a:r>
+              <a:rPr lang="en-US" altLang="ko-KR" sz="1100" dirty="0"/>
+              <a:t> ~ MOVE</a:t>
             </a:r>
           </a:p>
           <a:p>
@@ -9799,8 +9807,8 @@
         </p:nvCxnSpPr>
         <p:spPr>
           <a:xfrm flipV="1">
-            <a:off x="2705254" y="2068225"/>
-            <a:ext cx="2863696" cy="1360775"/>
+            <a:off x="2705255" y="2364460"/>
+            <a:ext cx="1606395" cy="1361099"/>
           </a:xfrm>
           <a:prstGeom prst="straightConnector1">
             <a:avLst/>
@@ -9838,8 +9846,8 @@
         </p:nvSpPr>
         <p:spPr>
           <a:xfrm>
-            <a:off x="2041821" y="3132765"/>
-            <a:ext cx="663433" cy="592469"/>
+            <a:off x="1548451" y="3429324"/>
+            <a:ext cx="1156804" cy="592469"/>
           </a:xfrm>
           <a:prstGeom prst="rect">
             <a:avLst/>
@@ -9868,7 +9876,7 @@
             <a:pPr algn="ctr"/>
             <a:r>
               <a:rPr lang="en-US" altLang="ko-KR" dirty="0"/>
-              <a:t>CV</a:t>
+              <a:t>MOTOR</a:t>
             </a:r>
             <a:endParaRPr lang="ko-KR" altLang="en-US" dirty="0"/>
           </a:p>
@@ -9888,7 +9896,7 @@
         </p:nvSpPr>
         <p:spPr>
           <a:xfrm>
-            <a:off x="5552752" y="3132765"/>
+            <a:off x="4295452" y="3429000"/>
             <a:ext cx="1476709" cy="592469"/>
           </a:xfrm>
           <a:prstGeom prst="rect">
@@ -9945,7 +9953,7 @@
         </p:nvSpPr>
         <p:spPr>
           <a:xfrm>
-            <a:off x="5568950" y="1771990"/>
+            <a:off x="4311650" y="2068225"/>
             <a:ext cx="1444314" cy="592469"/>
           </a:xfrm>
           <a:prstGeom prst="rect">
@@ -10006,7 +10014,7 @@
         </p:nvCxnSpPr>
         <p:spPr>
           <a:xfrm>
-            <a:off x="6291107" y="2364459"/>
+            <a:off x="5033807" y="2660694"/>
             <a:ext cx="0" cy="768306"/>
           </a:xfrm>
           <a:prstGeom prst="straightConnector1">
@@ -10050,9 +10058,9 @@
           <p:nvPr/>
         </p:nvCxnSpPr>
         <p:spPr>
-          <a:xfrm>
-            <a:off x="2705254" y="3429000"/>
-            <a:ext cx="2847498" cy="0"/>
+          <a:xfrm flipV="1">
+            <a:off x="2705255" y="3725235"/>
+            <a:ext cx="1590197" cy="324"/>
           </a:xfrm>
           <a:prstGeom prst="straightConnector1">
             <a:avLst/>
@@ -10086,6 +10094,7 @@
             </a:extLst>
           </p:cNvPr>
           <p:cNvCxnSpPr>
+            <a:cxnSpLocks/>
             <a:stCxn id="14" idx="3"/>
             <a:endCxn id="10" idx="3"/>
           </p:cNvCxnSpPr>
@@ -10093,7 +10102,7 @@
         </p:nvCxnSpPr>
         <p:spPr>
           <a:xfrm>
-            <a:off x="7013264" y="2068225"/>
+            <a:off x="5755964" y="2364460"/>
             <a:ext cx="16197" cy="1360775"/>
           </a:xfrm>
           <a:prstGeom prst="bentConnector3">
@@ -10138,12 +10147,12 @@
         </p:nvCxnSpPr>
         <p:spPr>
           <a:xfrm rot="5400000">
-            <a:off x="4332323" y="1766450"/>
-            <a:ext cx="12700" cy="3917569"/>
+            <a:off x="3580168" y="2568154"/>
+            <a:ext cx="324" cy="2906954"/>
           </a:xfrm>
           <a:prstGeom prst="bentConnector3">
             <a:avLst>
-              <a:gd name="adj1" fmla="val 1800000"/>
+              <a:gd name="adj1" fmla="val 70655556"/>
             </a:avLst>
           </a:prstGeom>
           <a:ln>

--- a/DsDotNet/src/UnitTest/UnitTest.Model/ImportOfficeExample/Sample/Lib/Conveyor/CV.pptx
+++ b/DsDotNet/src/UnitTest/UnitTest.Model/ImportOfficeExample/Sample/Lib/Conveyor/CV.pptx
@@ -3999,7 +3999,7 @@
           <a:effectLst/>
           <a:extLst>
             <a:ext uri="{91240B29-F687-4f45-9708-019B960494DF}">
-              <a14:hiddenLine xmlns="" xmlns:a14="http://schemas.microsoft.com/office/drawing/2010/main" w="9525">
+              <a14:hiddenLine xmlns:a14="http://schemas.microsoft.com/office/drawing/2010/main" xmlns="" w="9525">
                 <a:solidFill>
                   <a:srgbClr val="000000"/>
                 </a:solidFill>
@@ -5521,7 +5521,7 @@
           <a:ln/>
           <a:extLst>
             <a:ext uri="{91240B29-F687-4f45-9708-019B960494DF}">
-              <a14:hiddenLine xmlns="" xmlns:a14="http://schemas.microsoft.com/office/drawing/2010/main" w="9525">
+              <a14:hiddenLine xmlns:a14="http://schemas.microsoft.com/office/drawing/2010/main" xmlns="" w="9525">
                 <a:solidFill>
                   <a:srgbClr val="000000"/>
                 </a:solidFill>
@@ -5796,7 +5796,7 @@
           <a:ln/>
           <a:extLst>
             <a:ext uri="{91240B29-F687-4f45-9708-019B960494DF}">
-              <a14:hiddenLine xmlns="" xmlns:a14="http://schemas.microsoft.com/office/drawing/2010/main" w="9525">
+              <a14:hiddenLine xmlns:a14="http://schemas.microsoft.com/office/drawing/2010/main" xmlns="" w="9525">
                 <a:solidFill>
                   <a:srgbClr val="000000"/>
                 </a:solidFill>
@@ -6244,7 +6244,7 @@
           <a:ln/>
           <a:extLst>
             <a:ext uri="{91240B29-F687-4f45-9708-019B960494DF}">
-              <a14:hiddenLine xmlns="" xmlns:a14="http://schemas.microsoft.com/office/drawing/2010/main" w="9525">
+              <a14:hiddenLine xmlns:a14="http://schemas.microsoft.com/office/drawing/2010/main" xmlns="" w="9525">
                 <a:solidFill>
                   <a:srgbClr val="000000"/>
                 </a:solidFill>
@@ -6870,7 +6870,7 @@
           <a:ln/>
           <a:extLst>
             <a:ext uri="{91240B29-F687-4f45-9708-019B960494DF}">
-              <a14:hiddenLine xmlns="" xmlns:a14="http://schemas.microsoft.com/office/drawing/2010/main" w="9525">
+              <a14:hiddenLine xmlns:a14="http://schemas.microsoft.com/office/drawing/2010/main" xmlns="" w="9525">
                 <a:solidFill>
                   <a:srgbClr val="000000"/>
                 </a:solidFill>
@@ -7214,7 +7214,7 @@
           <a:ln/>
           <a:extLst>
             <a:ext uri="{91240B29-F687-4f45-9708-019B960494DF}">
-              <a14:hiddenLine xmlns="" xmlns:a14="http://schemas.microsoft.com/office/drawing/2010/main" w="9525">
+              <a14:hiddenLine xmlns:a14="http://schemas.microsoft.com/office/drawing/2010/main" xmlns="" w="9525">
                 <a:solidFill>
                   <a:srgbClr val="000000"/>
                 </a:solidFill>
@@ -7696,7 +7696,7 @@
           <a:ln/>
           <a:extLst>
             <a:ext uri="{91240B29-F687-4f45-9708-019B960494DF}">
-              <a14:hiddenLine xmlns="" xmlns:a14="http://schemas.microsoft.com/office/drawing/2010/main" w="9525">
+              <a14:hiddenLine xmlns:a14="http://schemas.microsoft.com/office/drawing/2010/main" xmlns="" w="9525">
                 <a:solidFill>
                   <a:srgbClr val="000000"/>
                 </a:solidFill>
@@ -8125,7 +8125,7 @@
           <a:ln/>
           <a:extLst>
             <a:ext uri="{91240B29-F687-4f45-9708-019B960494DF}">
-              <a14:hiddenLine xmlns="" xmlns:a14="http://schemas.microsoft.com/office/drawing/2010/main" w="9525">
+              <a14:hiddenLine xmlns:a14="http://schemas.microsoft.com/office/drawing/2010/main" xmlns="" w="9525">
                 <a:solidFill>
                   <a:srgbClr val="000000"/>
                 </a:solidFill>
@@ -9411,7 +9411,7 @@
         <p:spPr>
           <a:xfrm>
             <a:off x="253376" y="104588"/>
-            <a:ext cx="5751184" cy="1150034"/>
+            <a:ext cx="2422712" cy="600087"/>
           </a:xfrm>
           <a:prstGeom prst="homePlate">
             <a:avLst/>
@@ -9446,29 +9446,14 @@
             <a:pPr algn="ctr"/>
             <a:r>
               <a:rPr lang="en-US" altLang="ko-KR" sz="1100" dirty="0"/>
-              <a:t>GO</a:t>
+              <a:t>MOVE</a:t>
             </a:r>
           </a:p>
           <a:p>
             <a:pPr algn="ctr"/>
             <a:r>
               <a:rPr lang="en-US" altLang="ko-KR" sz="1100" dirty="0"/>
-              <a:t>[MOTOR</a:t>
-            </a:r>
-            <a:endParaRPr lang="ko-KR" altLang="en-US" sz="1100" dirty="0"/>
-          </a:p>
-          <a:p>
-            <a:pPr algn="ctr"/>
-            <a:r>
-              <a:rPr lang="en-US" altLang="ko-KR" sz="1100" dirty="0"/>
-              <a:t> ~ MOVE</a:t>
-            </a:r>
-          </a:p>
-          <a:p>
-            <a:pPr algn="ctr"/>
-            <a:r>
-              <a:rPr lang="en-US" altLang="ko-KR" sz="1100" dirty="0"/>
-              <a:t>PART]</a:t>
+              <a:t>[MOVE~ MOVE]</a:t>
             </a:r>
           </a:p>
         </p:txBody>
@@ -9789,99 +9774,6 @@
           </p:txBody>
         </p:sp>
       </p:grpSp>
-      <p:cxnSp>
-        <p:nvCxnSpPr>
-          <p:cNvPr id="8" name="직선 화살표 연결선 7">
-            <a:extLst>
-              <a:ext uri="{FF2B5EF4-FFF2-40B4-BE49-F238E27FC236}">
-                <a16:creationId xmlns:a16="http://schemas.microsoft.com/office/drawing/2014/main" id="{B1D558C3-9CFB-82B9-FA4F-1CE08812A212}"/>
-              </a:ext>
-            </a:extLst>
-          </p:cNvPr>
-          <p:cNvCxnSpPr>
-            <a:cxnSpLocks/>
-            <a:stCxn id="9" idx="3"/>
-            <a:endCxn id="14" idx="1"/>
-          </p:cNvCxnSpPr>
-          <p:nvPr/>
-        </p:nvCxnSpPr>
-        <p:spPr>
-          <a:xfrm flipV="1">
-            <a:off x="2705255" y="2364460"/>
-            <a:ext cx="1606395" cy="1361099"/>
-          </a:xfrm>
-          <a:prstGeom prst="straightConnector1">
-            <a:avLst/>
-          </a:prstGeom>
-          <a:ln>
-            <a:tailEnd type="triangle"/>
-          </a:ln>
-        </p:spPr>
-        <p:style>
-          <a:lnRef idx="1">
-            <a:schemeClr val="accent1"/>
-          </a:lnRef>
-          <a:fillRef idx="0">
-            <a:schemeClr val="accent1"/>
-          </a:fillRef>
-          <a:effectRef idx="0">
-            <a:schemeClr val="accent1"/>
-          </a:effectRef>
-          <a:fontRef idx="minor">
-            <a:schemeClr val="tx1"/>
-          </a:fontRef>
-        </p:style>
-      </p:cxnSp>
-      <p:sp>
-        <p:nvSpPr>
-          <p:cNvPr id="9" name="직사각형 8">
-            <a:extLst>
-              <a:ext uri="{FF2B5EF4-FFF2-40B4-BE49-F238E27FC236}">
-                <a16:creationId xmlns:a16="http://schemas.microsoft.com/office/drawing/2014/main" id="{7E771E41-8B06-806D-EEFF-D4432E6073FF}"/>
-              </a:ext>
-            </a:extLst>
-          </p:cNvPr>
-          <p:cNvSpPr/>
-          <p:nvPr/>
-        </p:nvSpPr>
-        <p:spPr>
-          <a:xfrm>
-            <a:off x="1548451" y="3429324"/>
-            <a:ext cx="1156804" cy="592469"/>
-          </a:xfrm>
-          <a:prstGeom prst="rect">
-            <a:avLst/>
-          </a:prstGeom>
-        </p:spPr>
-        <p:style>
-          <a:lnRef idx="2">
-            <a:schemeClr val="accent1">
-              <a:shade val="15000"/>
-            </a:schemeClr>
-          </a:lnRef>
-          <a:fillRef idx="1">
-            <a:schemeClr val="accent1"/>
-          </a:fillRef>
-          <a:effectRef idx="0">
-            <a:schemeClr val="accent1"/>
-          </a:effectRef>
-          <a:fontRef idx="minor">
-            <a:schemeClr val="lt1"/>
-          </a:fontRef>
-        </p:style>
-        <p:txBody>
-          <a:bodyPr rtlCol="0" anchor="ctr"/>
-          <a:lstStyle/>
-          <a:p>
-            <a:pPr algn="ctr"/>
-            <a:r>
-              <a:rPr lang="en-US" altLang="ko-KR" dirty="0"/>
-              <a:t>MOTOR</a:t>
-            </a:r>
-            <a:endParaRPr lang="ko-KR" altLang="en-US" dirty="0"/>
-          </a:p>
-        </p:txBody>
-      </p:sp>
       <p:sp>
         <p:nvSpPr>
           <p:cNvPr id="10" name="직사각형 9">
@@ -9896,7 +9788,7 @@
         </p:nvSpPr>
         <p:spPr>
           <a:xfrm>
-            <a:off x="4295452" y="3429000"/>
+            <a:off x="5266205" y="4536346"/>
             <a:ext cx="1476709" cy="592469"/>
           </a:xfrm>
           <a:prstGeom prst="rect">
@@ -9929,14 +9821,6 @@
               <a:t>MOVE</a:t>
             </a:r>
           </a:p>
-          <a:p>
-            <a:pPr algn="ctr"/>
-            <a:r>
-              <a:rPr lang="en-US" altLang="ko-KR" sz="1800" dirty="0"/>
-              <a:t>PART</a:t>
-            </a:r>
-            <a:endParaRPr lang="ko-KR" altLang="en-US" dirty="0"/>
-          </a:p>
         </p:txBody>
       </p:sp>
       <p:sp>
@@ -9953,7 +9837,7 @@
         </p:nvSpPr>
         <p:spPr>
           <a:xfrm>
-            <a:off x="4311650" y="2068225"/>
+            <a:off x="5282403" y="3175571"/>
             <a:ext cx="1444314" cy="592469"/>
           </a:xfrm>
           <a:prstGeom prst="rect">
@@ -9986,14 +9870,6 @@
               <a:t>REMOVE</a:t>
             </a:r>
           </a:p>
-          <a:p>
-            <a:pPr algn="ctr"/>
-            <a:r>
-              <a:rPr lang="en-US" altLang="ko-KR" sz="1800" dirty="0"/>
-              <a:t>PART</a:t>
-            </a:r>
-            <a:endParaRPr lang="ko-KR" altLang="en-US" dirty="0"/>
-          </a:p>
         </p:txBody>
       </p:sp>
       <p:cxnSp>
@@ -10007,20 +9883,20 @@
           </p:cNvPr>
           <p:cNvCxnSpPr>
             <a:cxnSpLocks/>
-            <a:stCxn id="14" idx="2"/>
-            <a:endCxn id="10" idx="0"/>
+            <a:stCxn id="16" idx="3"/>
+            <a:endCxn id="2" idx="3"/>
           </p:cNvCxnSpPr>
           <p:nvPr/>
         </p:nvCxnSpPr>
         <p:spPr>
           <a:xfrm>
-            <a:off x="5033807" y="2660694"/>
-            <a:ext cx="0" cy="768306"/>
+            <a:off x="2676088" y="404632"/>
+            <a:ext cx="0" cy="1435060"/>
           </a:xfrm>
           <a:prstGeom prst="straightConnector1">
             <a:avLst/>
           </a:prstGeom>
-          <a:ln>
+          <a:ln w="38100" cmpd="dbl">
             <a:prstDash val="dash"/>
             <a:headEnd type="arrow" w="med" len="med"/>
             <a:tailEnd type="arrow" w="med" len="med"/>
@@ -10041,123 +9917,96 @@
           </a:fontRef>
         </p:style>
       </p:cxnSp>
+      <p:sp>
+        <p:nvSpPr>
+          <p:cNvPr id="2" name="화살표: 오각형 1">
+            <a:extLst>
+              <a:ext uri="{FF2B5EF4-FFF2-40B4-BE49-F238E27FC236}">
+                <a16:creationId xmlns:a16="http://schemas.microsoft.com/office/drawing/2014/main" id="{3FD3CD27-C1FA-663C-5701-AD7B491C624A}"/>
+              </a:ext>
+            </a:extLst>
+          </p:cNvPr>
+          <p:cNvSpPr/>
+          <p:nvPr/>
+        </p:nvSpPr>
+        <p:spPr>
+          <a:xfrm>
+            <a:off x="253376" y="1539648"/>
+            <a:ext cx="2422712" cy="600087"/>
+          </a:xfrm>
+          <a:prstGeom prst="homePlate">
+            <a:avLst/>
+          </a:prstGeom>
+          <a:solidFill>
+            <a:schemeClr val="accent4">
+              <a:alpha val="50000"/>
+            </a:schemeClr>
+          </a:solidFill>
+          <a:ln>
+            <a:noFill/>
+          </a:ln>
+        </p:spPr>
+        <p:style>
+          <a:lnRef idx="0">
+            <a:scrgbClr r="0" g="0" b="0"/>
+          </a:lnRef>
+          <a:fillRef idx="0">
+            <a:scrgbClr r="0" g="0" b="0"/>
+          </a:fillRef>
+          <a:effectRef idx="0">
+            <a:scrgbClr r="0" g="0" b="0"/>
+          </a:effectRef>
+          <a:fontRef idx="minor">
+            <a:schemeClr val="lt1"/>
+          </a:fontRef>
+        </p:style>
+        <p:txBody>
+          <a:bodyPr rtlCol="0" anchor="ctr"/>
+          <a:lstStyle/>
+          <a:p>
+            <a:pPr algn="ctr"/>
+            <a:r>
+              <a:rPr lang="en-US" altLang="ko-KR" sz="1100" dirty="0"/>
+              <a:t>REMOVE</a:t>
+            </a:r>
+          </a:p>
+          <a:p>
+            <a:pPr algn="ctr"/>
+            <a:r>
+              <a:rPr lang="en-US" altLang="ko-KR" sz="1100" dirty="0"/>
+              <a:t>[REMOVE ~ REMOVE]</a:t>
+            </a:r>
+          </a:p>
+        </p:txBody>
+      </p:sp>
       <p:cxnSp>
         <p:nvCxnSpPr>
-          <p:cNvPr id="47" name="직선 화살표 연결선 46">
+          <p:cNvPr id="6" name="직선 화살표 연결선 5">
             <a:extLst>
               <a:ext uri="{FF2B5EF4-FFF2-40B4-BE49-F238E27FC236}">
-                <a16:creationId xmlns:a16="http://schemas.microsoft.com/office/drawing/2014/main" id="{9C81FEB0-FA7B-6696-7C59-F22FE51FA226}"/>
+                <a16:creationId xmlns:a16="http://schemas.microsoft.com/office/drawing/2014/main" id="{F437FB53-6288-1662-A940-1B5A6F038CB9}"/>
               </a:ext>
             </a:extLst>
           </p:cNvPr>
           <p:cNvCxnSpPr>
             <a:cxnSpLocks/>
-            <a:stCxn id="9" idx="3"/>
-            <a:endCxn id="10" idx="1"/>
-          </p:cNvCxnSpPr>
-          <p:nvPr/>
-        </p:nvCxnSpPr>
-        <p:spPr>
-          <a:xfrm flipV="1">
-            <a:off x="2705255" y="3725235"/>
-            <a:ext cx="1590197" cy="324"/>
-          </a:xfrm>
-          <a:prstGeom prst="straightConnector1">
-            <a:avLst/>
-          </a:prstGeom>
-          <a:ln>
-            <a:tailEnd type="triangle"/>
-          </a:ln>
-        </p:spPr>
-        <p:style>
-          <a:lnRef idx="1">
-            <a:schemeClr val="accent1"/>
-          </a:lnRef>
-          <a:fillRef idx="0">
-            <a:schemeClr val="accent1"/>
-          </a:fillRef>
-          <a:effectRef idx="0">
-            <a:schemeClr val="accent1"/>
-          </a:effectRef>
-          <a:fontRef idx="minor">
-            <a:schemeClr val="tx1"/>
-          </a:fontRef>
-        </p:style>
-      </p:cxnSp>
-      <p:cxnSp>
-        <p:nvCxnSpPr>
-          <p:cNvPr id="59" name="연결선: 꺾임 58">
-            <a:extLst>
-              <a:ext uri="{FF2B5EF4-FFF2-40B4-BE49-F238E27FC236}">
-                <a16:creationId xmlns:a16="http://schemas.microsoft.com/office/drawing/2014/main" id="{8A772A4D-C78F-3FD4-5812-B984CBE5779D}"/>
-              </a:ext>
-            </a:extLst>
-          </p:cNvPr>
-          <p:cNvCxnSpPr>
-            <a:cxnSpLocks/>
-            <a:stCxn id="14" idx="3"/>
-            <a:endCxn id="10" idx="3"/>
+            <a:stCxn id="14" idx="2"/>
+            <a:endCxn id="10" idx="0"/>
           </p:cNvCxnSpPr>
           <p:nvPr/>
         </p:nvCxnSpPr>
         <p:spPr>
           <a:xfrm>
-            <a:off x="5755964" y="2364460"/>
-            <a:ext cx="16197" cy="1360775"/>
+            <a:off x="6004560" y="3768040"/>
+            <a:ext cx="0" cy="768306"/>
           </a:xfrm>
-          <a:prstGeom prst="bentConnector3">
-            <a:avLst>
-              <a:gd name="adj1" fmla="val 1511372"/>
-            </a:avLst>
+          <a:prstGeom prst="straightConnector1">
+            <a:avLst/>
           </a:prstGeom>
-          <a:ln>
-            <a:tailEnd type="triangle"/>
-          </a:ln>
-        </p:spPr>
-        <p:style>
-          <a:lnRef idx="1">
-            <a:schemeClr val="accent1"/>
-          </a:lnRef>
-          <a:fillRef idx="0">
-            <a:schemeClr val="accent1"/>
-          </a:fillRef>
-          <a:effectRef idx="0">
-            <a:schemeClr val="accent1"/>
-          </a:effectRef>
-          <a:fontRef idx="minor">
-            <a:schemeClr val="tx1"/>
-          </a:fontRef>
-        </p:style>
-      </p:cxnSp>
-      <p:cxnSp>
-        <p:nvCxnSpPr>
-          <p:cNvPr id="64" name="연결선: 꺾임 63">
-            <a:extLst>
-              <a:ext uri="{FF2B5EF4-FFF2-40B4-BE49-F238E27FC236}">
-                <a16:creationId xmlns:a16="http://schemas.microsoft.com/office/drawing/2014/main" id="{09E76309-4039-7789-9937-4F982EBC86B5}"/>
-              </a:ext>
-            </a:extLst>
-          </p:cNvPr>
-          <p:cNvCxnSpPr>
-            <a:cxnSpLocks/>
-            <a:stCxn id="10" idx="2"/>
-            <a:endCxn id="9" idx="2"/>
-          </p:cNvCxnSpPr>
-          <p:nvPr/>
-        </p:nvCxnSpPr>
-        <p:spPr>
-          <a:xfrm rot="5400000">
-            <a:off x="3580168" y="2568154"/>
-            <a:ext cx="324" cy="2906954"/>
-          </a:xfrm>
-          <a:prstGeom prst="bentConnector3">
-            <a:avLst>
-              <a:gd name="adj1" fmla="val 70655556"/>
-            </a:avLst>
-          </a:prstGeom>
-          <a:ln>
+          <a:ln w="38100" cmpd="dbl">
             <a:prstDash val="dash"/>
-            <a:tailEnd type="triangle"/>
+            <a:headEnd type="arrow" w="med" len="med"/>
+            <a:tailEnd type="arrow" w="med" len="med"/>
           </a:ln>
         </p:spPr>
         <p:style>

--- a/DsDotNet/src/UnitTest/UnitTest.Model/ImportOfficeExample/Sample/Lib/Conveyor/CV.pptx
+++ b/DsDotNet/src/UnitTest/UnitTest.Model/ImportOfficeExample/Sample/Lib/Conveyor/CV.pptx
@@ -3999,7 +3999,7 @@
           <a:effectLst/>
           <a:extLst>
             <a:ext uri="{91240B29-F687-4f45-9708-019B960494DF}">
-              <a14:hiddenLine xmlns:a14="http://schemas.microsoft.com/office/drawing/2010/main" xmlns="" w="9525">
+              <a14:hiddenLine xmlns="" xmlns:a14="http://schemas.microsoft.com/office/drawing/2010/main" w="9525">
                 <a:solidFill>
                   <a:srgbClr val="000000"/>
                 </a:solidFill>
@@ -4191,7 +4191,7 @@
           <a:p>
             <a:fld id="{3E1D827B-9946-4E0D-97BA-FFCB17A9AF00}" type="datetimeFigureOut">
               <a:rPr lang="ko-KR" altLang="en-US" smtClean="0"/>
-              <a:t>2023-08-31</a:t>
+              <a:t>2023-09-14</a:t>
             </a:fld>
             <a:endParaRPr lang="ko-KR" altLang="en-US"/>
           </a:p>
@@ -4509,7 +4509,7 @@
           <a:p>
             <a:fld id="{3E1D827B-9946-4E0D-97BA-FFCB17A9AF00}" type="datetimeFigureOut">
               <a:rPr lang="ko-KR" altLang="en-US" smtClean="0"/>
-              <a:t>2023-08-31</a:t>
+              <a:t>2023-09-14</a:t>
             </a:fld>
             <a:endParaRPr lang="ko-KR" altLang="en-US"/>
           </a:p>
@@ -4997,7 +4997,7 @@
           <a:p>
             <a:fld id="{3E1D827B-9946-4E0D-97BA-FFCB17A9AF00}" type="datetimeFigureOut">
               <a:rPr lang="ko-KR" altLang="en-US" smtClean="0"/>
-              <a:t>2023-08-31</a:t>
+              <a:t>2023-09-14</a:t>
             </a:fld>
             <a:endParaRPr lang="ko-KR" altLang="en-US"/>
           </a:p>
@@ -5366,7 +5366,7 @@
           <a:p>
             <a:fld id="{3E1D827B-9946-4E0D-97BA-FFCB17A9AF00}" type="datetimeFigureOut">
               <a:rPr lang="ko-KR" altLang="en-US" smtClean="0"/>
-              <a:t>2023-08-31</a:t>
+              <a:t>2023-09-14</a:t>
             </a:fld>
             <a:endParaRPr lang="ko-KR" altLang="en-US"/>
           </a:p>
@@ -5521,7 +5521,7 @@
           <a:ln/>
           <a:extLst>
             <a:ext uri="{91240B29-F687-4f45-9708-019B960494DF}">
-              <a14:hiddenLine xmlns:a14="http://schemas.microsoft.com/office/drawing/2010/main" xmlns="" w="9525">
+              <a14:hiddenLine xmlns="" xmlns:a14="http://schemas.microsoft.com/office/drawing/2010/main" w="9525">
                 <a:solidFill>
                   <a:srgbClr val="000000"/>
                 </a:solidFill>
@@ -5639,7 +5639,7 @@
           <a:p>
             <a:fld id="{3E1D827B-9946-4E0D-97BA-FFCB17A9AF00}" type="datetimeFigureOut">
               <a:rPr lang="ko-KR" altLang="en-US" smtClean="0"/>
-              <a:t>2023-08-31</a:t>
+              <a:t>2023-09-14</a:t>
             </a:fld>
             <a:endParaRPr lang="ko-KR" altLang="en-US"/>
           </a:p>
@@ -5796,7 +5796,7 @@
           <a:ln/>
           <a:extLst>
             <a:ext uri="{91240B29-F687-4f45-9708-019B960494DF}">
-              <a14:hiddenLine xmlns:a14="http://schemas.microsoft.com/office/drawing/2010/main" xmlns="" w="9525">
+              <a14:hiddenLine xmlns="" xmlns:a14="http://schemas.microsoft.com/office/drawing/2010/main" w="9525">
                 <a:solidFill>
                   <a:srgbClr val="000000"/>
                 </a:solidFill>
@@ -5924,7 +5924,7 @@
           <a:p>
             <a:fld id="{3E1D827B-9946-4E0D-97BA-FFCB17A9AF00}" type="datetimeFigureOut">
               <a:rPr lang="ko-KR" altLang="en-US" smtClean="0"/>
-              <a:t>2023-08-31</a:t>
+              <a:t>2023-09-14</a:t>
             </a:fld>
             <a:endParaRPr lang="ko-KR" altLang="en-US"/>
           </a:p>
@@ -6019,7 +6019,7 @@
           <a:p>
             <a:fld id="{3E1D827B-9946-4E0D-97BA-FFCB17A9AF00}" type="datetimeFigureOut">
               <a:rPr lang="ko-KR" altLang="en-US" smtClean="0"/>
-              <a:t>2023-08-31</a:t>
+              <a:t>2023-09-14</a:t>
             </a:fld>
             <a:endParaRPr lang="ko-KR" altLang="en-US"/>
           </a:p>
@@ -6244,7 +6244,7 @@
           <a:ln/>
           <a:extLst>
             <a:ext uri="{91240B29-F687-4f45-9708-019B960494DF}">
-              <a14:hiddenLine xmlns:a14="http://schemas.microsoft.com/office/drawing/2010/main" xmlns="" w="9525">
+              <a14:hiddenLine xmlns="" xmlns:a14="http://schemas.microsoft.com/office/drawing/2010/main" w="9525">
                 <a:solidFill>
                   <a:srgbClr val="000000"/>
                 </a:solidFill>
@@ -6372,7 +6372,7 @@
           <a:p>
             <a:fld id="{3E1D827B-9946-4E0D-97BA-FFCB17A9AF00}" type="datetimeFigureOut">
               <a:rPr lang="ko-KR" altLang="en-US" smtClean="0"/>
-              <a:t>2023-08-31</a:t>
+              <a:t>2023-09-14</a:t>
             </a:fld>
             <a:endParaRPr lang="ko-KR" altLang="en-US"/>
           </a:p>
@@ -6715,7 +6715,7 @@
           <a:p>
             <a:fld id="{3E1D827B-9946-4E0D-97BA-FFCB17A9AF00}" type="datetimeFigureOut">
               <a:rPr lang="ko-KR" altLang="en-US" smtClean="0"/>
-              <a:t>2023-08-31</a:t>
+              <a:t>2023-09-14</a:t>
             </a:fld>
             <a:endParaRPr lang="ko-KR" altLang="en-US"/>
           </a:p>
@@ -6870,7 +6870,7 @@
           <a:ln/>
           <a:extLst>
             <a:ext uri="{91240B29-F687-4f45-9708-019B960494DF}">
-              <a14:hiddenLine xmlns:a14="http://schemas.microsoft.com/office/drawing/2010/main" xmlns="" w="9525">
+              <a14:hiddenLine xmlns="" xmlns:a14="http://schemas.microsoft.com/office/drawing/2010/main" w="9525">
                 <a:solidFill>
                   <a:srgbClr val="000000"/>
                 </a:solidFill>
@@ -7054,7 +7054,7 @@
           <a:p>
             <a:fld id="{3E1D827B-9946-4E0D-97BA-FFCB17A9AF00}" type="datetimeFigureOut">
               <a:rPr lang="ko-KR" altLang="en-US" smtClean="0"/>
-              <a:t>2023-08-31</a:t>
+              <a:t>2023-09-14</a:t>
             </a:fld>
             <a:endParaRPr lang="ko-KR" altLang="en-US"/>
           </a:p>
@@ -7214,7 +7214,7 @@
           <a:ln/>
           <a:extLst>
             <a:ext uri="{91240B29-F687-4f45-9708-019B960494DF}">
-              <a14:hiddenLine xmlns:a14="http://schemas.microsoft.com/office/drawing/2010/main" xmlns="" w="9525">
+              <a14:hiddenLine xmlns="" xmlns:a14="http://schemas.microsoft.com/office/drawing/2010/main" w="9525">
                 <a:solidFill>
                   <a:srgbClr val="000000"/>
                 </a:solidFill>
@@ -7536,7 +7536,7 @@
           <a:p>
             <a:fld id="{3E1D827B-9946-4E0D-97BA-FFCB17A9AF00}" type="datetimeFigureOut">
               <a:rPr lang="ko-KR" altLang="en-US" smtClean="0"/>
-              <a:t>2023-08-31</a:t>
+              <a:t>2023-09-14</a:t>
             </a:fld>
             <a:endParaRPr lang="ko-KR" altLang="en-US"/>
           </a:p>
@@ -7696,7 +7696,7 @@
           <a:ln/>
           <a:extLst>
             <a:ext uri="{91240B29-F687-4f45-9708-019B960494DF}">
-              <a14:hiddenLine xmlns:a14="http://schemas.microsoft.com/office/drawing/2010/main" xmlns="" w="9525">
+              <a14:hiddenLine xmlns="" xmlns:a14="http://schemas.microsoft.com/office/drawing/2010/main" w="9525">
                 <a:solidFill>
                   <a:srgbClr val="000000"/>
                 </a:solidFill>
@@ -7762,7 +7762,7 @@
           <a:p>
             <a:fld id="{3E1D827B-9946-4E0D-97BA-FFCB17A9AF00}" type="datetimeFigureOut">
               <a:rPr lang="ko-KR" altLang="en-US" smtClean="0"/>
-              <a:t>2023-08-31</a:t>
+              <a:t>2023-09-14</a:t>
             </a:fld>
             <a:endParaRPr lang="ko-KR" altLang="en-US"/>
           </a:p>
@@ -7857,7 +7857,7 @@
           <a:p>
             <a:fld id="{3E1D827B-9946-4E0D-97BA-FFCB17A9AF00}" type="datetimeFigureOut">
               <a:rPr lang="ko-KR" altLang="en-US" smtClean="0"/>
-              <a:t>2023-08-31</a:t>
+              <a:t>2023-09-14</a:t>
             </a:fld>
             <a:endParaRPr lang="ko-KR" altLang="en-US"/>
           </a:p>
@@ -8125,7 +8125,7 @@
           <a:ln/>
           <a:extLst>
             <a:ext uri="{91240B29-F687-4f45-9708-019B960494DF}">
-              <a14:hiddenLine xmlns:a14="http://schemas.microsoft.com/office/drawing/2010/main" xmlns="" w="9525">
+              <a14:hiddenLine xmlns="" xmlns:a14="http://schemas.microsoft.com/office/drawing/2010/main" w="9525">
                 <a:solidFill>
                   <a:srgbClr val="000000"/>
                 </a:solidFill>
@@ -8324,7 +8324,7 @@
           <a:p>
             <a:fld id="{3E1D827B-9946-4E0D-97BA-FFCB17A9AF00}" type="datetimeFigureOut">
               <a:rPr lang="ko-KR" altLang="en-US" smtClean="0"/>
-              <a:t>2023-08-31</a:t>
+              <a:t>2023-09-14</a:t>
             </a:fld>
             <a:endParaRPr lang="ko-KR" altLang="en-US"/>
           </a:p>
@@ -8642,7 +8642,7 @@
           <a:p>
             <a:fld id="{3E1D827B-9946-4E0D-97BA-FFCB17A9AF00}" type="datetimeFigureOut">
               <a:rPr lang="ko-KR" altLang="en-US" smtClean="0"/>
-              <a:t>2023-08-31</a:t>
+              <a:t>2023-09-14</a:t>
             </a:fld>
             <a:endParaRPr lang="ko-KR" altLang="en-US"/>
           </a:p>
@@ -8912,7 +8912,7 @@
           <a:p>
             <a:fld id="{3E1D827B-9946-4E0D-97BA-FFCB17A9AF00}" type="datetimeFigureOut">
               <a:rPr lang="ko-KR" altLang="en-US" smtClean="0"/>
-              <a:t>2023-08-31</a:t>
+              <a:t>2023-09-14</a:t>
             </a:fld>
             <a:endParaRPr lang="ko-KR" altLang="en-US"/>
           </a:p>
@@ -9974,7 +9974,7 @@
             <a:pPr algn="ctr"/>
             <a:r>
               <a:rPr lang="en-US" altLang="ko-KR" sz="1100" dirty="0"/>
-              <a:t>[REMOVE ~ REMOVE]</a:t>
+              <a:t>[REMOVE ~]</a:t>
             </a:r>
           </a:p>
         </p:txBody>

--- a/DsDotNet/src/UnitTest/UnitTest.Model/ImportOfficeExample/Sample/Lib/Conveyor/CV.pptx
+++ b/DsDotNet/src/UnitTest/UnitTest.Model/ImportOfficeExample/Sample/Lib/Conveyor/CV.pptx
@@ -4191,7 +4191,7 @@
           <a:p>
             <a:fld id="{3E1D827B-9946-4E0D-97BA-FFCB17A9AF00}" type="datetimeFigureOut">
               <a:rPr lang="ko-KR" altLang="en-US" smtClean="0"/>
-              <a:t>2023-09-14</a:t>
+              <a:t>2023-09-15</a:t>
             </a:fld>
             <a:endParaRPr lang="ko-KR" altLang="en-US"/>
           </a:p>
@@ -4509,7 +4509,7 @@
           <a:p>
             <a:fld id="{3E1D827B-9946-4E0D-97BA-FFCB17A9AF00}" type="datetimeFigureOut">
               <a:rPr lang="ko-KR" altLang="en-US" smtClean="0"/>
-              <a:t>2023-09-14</a:t>
+              <a:t>2023-09-15</a:t>
             </a:fld>
             <a:endParaRPr lang="ko-KR" altLang="en-US"/>
           </a:p>
@@ -4997,7 +4997,7 @@
           <a:p>
             <a:fld id="{3E1D827B-9946-4E0D-97BA-FFCB17A9AF00}" type="datetimeFigureOut">
               <a:rPr lang="ko-KR" altLang="en-US" smtClean="0"/>
-              <a:t>2023-09-14</a:t>
+              <a:t>2023-09-15</a:t>
             </a:fld>
             <a:endParaRPr lang="ko-KR" altLang="en-US"/>
           </a:p>
@@ -5366,7 +5366,7 @@
           <a:p>
             <a:fld id="{3E1D827B-9946-4E0D-97BA-FFCB17A9AF00}" type="datetimeFigureOut">
               <a:rPr lang="ko-KR" altLang="en-US" smtClean="0"/>
-              <a:t>2023-09-14</a:t>
+              <a:t>2023-09-15</a:t>
             </a:fld>
             <a:endParaRPr lang="ko-KR" altLang="en-US"/>
           </a:p>
@@ -5639,7 +5639,7 @@
           <a:p>
             <a:fld id="{3E1D827B-9946-4E0D-97BA-FFCB17A9AF00}" type="datetimeFigureOut">
               <a:rPr lang="ko-KR" altLang="en-US" smtClean="0"/>
-              <a:t>2023-09-14</a:t>
+              <a:t>2023-09-15</a:t>
             </a:fld>
             <a:endParaRPr lang="ko-KR" altLang="en-US"/>
           </a:p>
@@ -5924,7 +5924,7 @@
           <a:p>
             <a:fld id="{3E1D827B-9946-4E0D-97BA-FFCB17A9AF00}" type="datetimeFigureOut">
               <a:rPr lang="ko-KR" altLang="en-US" smtClean="0"/>
-              <a:t>2023-09-14</a:t>
+              <a:t>2023-09-15</a:t>
             </a:fld>
             <a:endParaRPr lang="ko-KR" altLang="en-US"/>
           </a:p>
@@ -6019,7 +6019,7 @@
           <a:p>
             <a:fld id="{3E1D827B-9946-4E0D-97BA-FFCB17A9AF00}" type="datetimeFigureOut">
               <a:rPr lang="ko-KR" altLang="en-US" smtClean="0"/>
-              <a:t>2023-09-14</a:t>
+              <a:t>2023-09-15</a:t>
             </a:fld>
             <a:endParaRPr lang="ko-KR" altLang="en-US"/>
           </a:p>
@@ -6372,7 +6372,7 @@
           <a:p>
             <a:fld id="{3E1D827B-9946-4E0D-97BA-FFCB17A9AF00}" type="datetimeFigureOut">
               <a:rPr lang="ko-KR" altLang="en-US" smtClean="0"/>
-              <a:t>2023-09-14</a:t>
+              <a:t>2023-09-15</a:t>
             </a:fld>
             <a:endParaRPr lang="ko-KR" altLang="en-US"/>
           </a:p>
@@ -6715,7 +6715,7 @@
           <a:p>
             <a:fld id="{3E1D827B-9946-4E0D-97BA-FFCB17A9AF00}" type="datetimeFigureOut">
               <a:rPr lang="ko-KR" altLang="en-US" smtClean="0"/>
-              <a:t>2023-09-14</a:t>
+              <a:t>2023-09-15</a:t>
             </a:fld>
             <a:endParaRPr lang="ko-KR" altLang="en-US"/>
           </a:p>
@@ -7054,7 +7054,7 @@
           <a:p>
             <a:fld id="{3E1D827B-9946-4E0D-97BA-FFCB17A9AF00}" type="datetimeFigureOut">
               <a:rPr lang="ko-KR" altLang="en-US" smtClean="0"/>
-              <a:t>2023-09-14</a:t>
+              <a:t>2023-09-15</a:t>
             </a:fld>
             <a:endParaRPr lang="ko-KR" altLang="en-US"/>
           </a:p>
@@ -7536,7 +7536,7 @@
           <a:p>
             <a:fld id="{3E1D827B-9946-4E0D-97BA-FFCB17A9AF00}" type="datetimeFigureOut">
               <a:rPr lang="ko-KR" altLang="en-US" smtClean="0"/>
-              <a:t>2023-09-14</a:t>
+              <a:t>2023-09-15</a:t>
             </a:fld>
             <a:endParaRPr lang="ko-KR" altLang="en-US"/>
           </a:p>
@@ -7762,7 +7762,7 @@
           <a:p>
             <a:fld id="{3E1D827B-9946-4E0D-97BA-FFCB17A9AF00}" type="datetimeFigureOut">
               <a:rPr lang="ko-KR" altLang="en-US" smtClean="0"/>
-              <a:t>2023-09-14</a:t>
+              <a:t>2023-09-15</a:t>
             </a:fld>
             <a:endParaRPr lang="ko-KR" altLang="en-US"/>
           </a:p>
@@ -7857,7 +7857,7 @@
           <a:p>
             <a:fld id="{3E1D827B-9946-4E0D-97BA-FFCB17A9AF00}" type="datetimeFigureOut">
               <a:rPr lang="ko-KR" altLang="en-US" smtClean="0"/>
-              <a:t>2023-09-14</a:t>
+              <a:t>2023-09-15</a:t>
             </a:fld>
             <a:endParaRPr lang="ko-KR" altLang="en-US"/>
           </a:p>
@@ -8324,7 +8324,7 @@
           <a:p>
             <a:fld id="{3E1D827B-9946-4E0D-97BA-FFCB17A9AF00}" type="datetimeFigureOut">
               <a:rPr lang="ko-KR" altLang="en-US" smtClean="0"/>
-              <a:t>2023-09-14</a:t>
+              <a:t>2023-09-15</a:t>
             </a:fld>
             <a:endParaRPr lang="ko-KR" altLang="en-US"/>
           </a:p>
@@ -8642,7 +8642,7 @@
           <a:p>
             <a:fld id="{3E1D827B-9946-4E0D-97BA-FFCB17A9AF00}" type="datetimeFigureOut">
               <a:rPr lang="ko-KR" altLang="en-US" smtClean="0"/>
-              <a:t>2023-09-14</a:t>
+              <a:t>2023-09-15</a:t>
             </a:fld>
             <a:endParaRPr lang="ko-KR" altLang="en-US"/>
           </a:p>
@@ -8912,7 +8912,7 @@
           <a:p>
             <a:fld id="{3E1D827B-9946-4E0D-97BA-FFCB17A9AF00}" type="datetimeFigureOut">
               <a:rPr lang="ko-KR" altLang="en-US" smtClean="0"/>
-              <a:t>2023-09-14</a:t>
+              <a:t>2023-09-15</a:t>
             </a:fld>
             <a:endParaRPr lang="ko-KR" altLang="en-US"/>
           </a:p>
@@ -9872,51 +9872,6 @@
           </a:p>
         </p:txBody>
       </p:sp>
-      <p:cxnSp>
-        <p:nvCxnSpPr>
-          <p:cNvPr id="37" name="직선 화살표 연결선 36">
-            <a:extLst>
-              <a:ext uri="{FF2B5EF4-FFF2-40B4-BE49-F238E27FC236}">
-                <a16:creationId xmlns:a16="http://schemas.microsoft.com/office/drawing/2014/main" id="{0F6E1926-93C8-9470-EB99-11FDA8D81BD1}"/>
-              </a:ext>
-            </a:extLst>
-          </p:cNvPr>
-          <p:cNvCxnSpPr>
-            <a:cxnSpLocks/>
-            <a:stCxn id="16" idx="3"/>
-            <a:endCxn id="2" idx="3"/>
-          </p:cNvCxnSpPr>
-          <p:nvPr/>
-        </p:nvCxnSpPr>
-        <p:spPr>
-          <a:xfrm>
-            <a:off x="2676088" y="404632"/>
-            <a:ext cx="0" cy="1435060"/>
-          </a:xfrm>
-          <a:prstGeom prst="straightConnector1">
-            <a:avLst/>
-          </a:prstGeom>
-          <a:ln w="38100" cmpd="dbl">
-            <a:prstDash val="dash"/>
-            <a:headEnd type="arrow" w="med" len="med"/>
-            <a:tailEnd type="arrow" w="med" len="med"/>
-          </a:ln>
-        </p:spPr>
-        <p:style>
-          <a:lnRef idx="1">
-            <a:schemeClr val="accent1"/>
-          </a:lnRef>
-          <a:fillRef idx="0">
-            <a:schemeClr val="accent1"/>
-          </a:fillRef>
-          <a:effectRef idx="0">
-            <a:schemeClr val="accent1"/>
-          </a:effectRef>
-          <a:fontRef idx="minor">
-            <a:schemeClr val="tx1"/>
-          </a:fontRef>
-        </p:style>
-      </p:cxnSp>
       <p:sp>
         <p:nvSpPr>
           <p:cNvPr id="2" name="화살표: 오각형 1">
@@ -9999,6 +9954,51 @@
           <a:xfrm>
             <a:off x="6004560" y="3768040"/>
             <a:ext cx="0" cy="768306"/>
+          </a:xfrm>
+          <a:prstGeom prst="straightConnector1">
+            <a:avLst/>
+          </a:prstGeom>
+          <a:ln w="38100" cmpd="dbl">
+            <a:prstDash val="dash"/>
+            <a:headEnd type="arrow" w="med" len="med"/>
+            <a:tailEnd type="arrow" w="med" len="med"/>
+          </a:ln>
+        </p:spPr>
+        <p:style>
+          <a:lnRef idx="1">
+            <a:schemeClr val="accent1"/>
+          </a:lnRef>
+          <a:fillRef idx="0">
+            <a:schemeClr val="accent1"/>
+          </a:fillRef>
+          <a:effectRef idx="0">
+            <a:schemeClr val="accent1"/>
+          </a:effectRef>
+          <a:fontRef idx="minor">
+            <a:schemeClr val="tx1"/>
+          </a:fontRef>
+        </p:style>
+      </p:cxnSp>
+      <p:cxnSp>
+        <p:nvCxnSpPr>
+          <p:cNvPr id="3" name="직선 화살표 연결선 2">
+            <a:extLst>
+              <a:ext uri="{FF2B5EF4-FFF2-40B4-BE49-F238E27FC236}">
+                <a16:creationId xmlns:a16="http://schemas.microsoft.com/office/drawing/2014/main" id="{608EE758-E57E-128D-CF4D-B5337FA7CAEE}"/>
+              </a:ext>
+            </a:extLst>
+          </p:cNvPr>
+          <p:cNvCxnSpPr>
+            <a:cxnSpLocks/>
+            <a:stCxn id="16" idx="3"/>
+            <a:endCxn id="2" idx="3"/>
+          </p:cNvCxnSpPr>
+          <p:nvPr/>
+        </p:nvCxnSpPr>
+        <p:spPr>
+          <a:xfrm>
+            <a:off x="2676088" y="404632"/>
+            <a:ext cx="0" cy="1435060"/>
           </a:xfrm>
           <a:prstGeom prst="straightConnector1">
             <a:avLst/>

--- a/DsDotNet/src/UnitTest/UnitTest.Model/ImportOfficeExample/Sample/Lib/Conveyor/CV.pptx
+++ b/DsDotNet/src/UnitTest/UnitTest.Model/ImportOfficeExample/Sample/Lib/Conveyor/CV.pptx
@@ -3999,7 +3999,7 @@
           <a:effectLst/>
           <a:extLst>
             <a:ext uri="{91240B29-F687-4f45-9708-019B960494DF}">
-              <a14:hiddenLine xmlns="" xmlns:a14="http://schemas.microsoft.com/office/drawing/2010/main" w="9525">
+              <a14:hiddenLine xmlns:a14="http://schemas.microsoft.com/office/drawing/2010/main" xmlns="" w="9525">
                 <a:solidFill>
                   <a:srgbClr val="000000"/>
                 </a:solidFill>
@@ -4191,7 +4191,7 @@
           <a:p>
             <a:fld id="{3E1D827B-9946-4E0D-97BA-FFCB17A9AF00}" type="datetimeFigureOut">
               <a:rPr lang="ko-KR" altLang="en-US" smtClean="0"/>
-              <a:t>2023-09-15</a:t>
+              <a:t>2023-09-18</a:t>
             </a:fld>
             <a:endParaRPr lang="ko-KR" altLang="en-US"/>
           </a:p>
@@ -4509,7 +4509,7 @@
           <a:p>
             <a:fld id="{3E1D827B-9946-4E0D-97BA-FFCB17A9AF00}" type="datetimeFigureOut">
               <a:rPr lang="ko-KR" altLang="en-US" smtClean="0"/>
-              <a:t>2023-09-15</a:t>
+              <a:t>2023-09-18</a:t>
             </a:fld>
             <a:endParaRPr lang="ko-KR" altLang="en-US"/>
           </a:p>
@@ -4997,7 +4997,7 @@
           <a:p>
             <a:fld id="{3E1D827B-9946-4E0D-97BA-FFCB17A9AF00}" type="datetimeFigureOut">
               <a:rPr lang="ko-KR" altLang="en-US" smtClean="0"/>
-              <a:t>2023-09-15</a:t>
+              <a:t>2023-09-18</a:t>
             </a:fld>
             <a:endParaRPr lang="ko-KR" altLang="en-US"/>
           </a:p>
@@ -5366,7 +5366,7 @@
           <a:p>
             <a:fld id="{3E1D827B-9946-4E0D-97BA-FFCB17A9AF00}" type="datetimeFigureOut">
               <a:rPr lang="ko-KR" altLang="en-US" smtClean="0"/>
-              <a:t>2023-09-15</a:t>
+              <a:t>2023-09-18</a:t>
             </a:fld>
             <a:endParaRPr lang="ko-KR" altLang="en-US"/>
           </a:p>
@@ -5521,7 +5521,7 @@
           <a:ln/>
           <a:extLst>
             <a:ext uri="{91240B29-F687-4f45-9708-019B960494DF}">
-              <a14:hiddenLine xmlns="" xmlns:a14="http://schemas.microsoft.com/office/drawing/2010/main" w="9525">
+              <a14:hiddenLine xmlns:a14="http://schemas.microsoft.com/office/drawing/2010/main" xmlns="" w="9525">
                 <a:solidFill>
                   <a:srgbClr val="000000"/>
                 </a:solidFill>
@@ -5639,7 +5639,7 @@
           <a:p>
             <a:fld id="{3E1D827B-9946-4E0D-97BA-FFCB17A9AF00}" type="datetimeFigureOut">
               <a:rPr lang="ko-KR" altLang="en-US" smtClean="0"/>
-              <a:t>2023-09-15</a:t>
+              <a:t>2023-09-18</a:t>
             </a:fld>
             <a:endParaRPr lang="ko-KR" altLang="en-US"/>
           </a:p>
@@ -5796,7 +5796,7 @@
           <a:ln/>
           <a:extLst>
             <a:ext uri="{91240B29-F687-4f45-9708-019B960494DF}">
-              <a14:hiddenLine xmlns="" xmlns:a14="http://schemas.microsoft.com/office/drawing/2010/main" w="9525">
+              <a14:hiddenLine xmlns:a14="http://schemas.microsoft.com/office/drawing/2010/main" xmlns="" w="9525">
                 <a:solidFill>
                   <a:srgbClr val="000000"/>
                 </a:solidFill>
@@ -5924,7 +5924,7 @@
           <a:p>
             <a:fld id="{3E1D827B-9946-4E0D-97BA-FFCB17A9AF00}" type="datetimeFigureOut">
               <a:rPr lang="ko-KR" altLang="en-US" smtClean="0"/>
-              <a:t>2023-09-15</a:t>
+              <a:t>2023-09-18</a:t>
             </a:fld>
             <a:endParaRPr lang="ko-KR" altLang="en-US"/>
           </a:p>
@@ -6019,7 +6019,7 @@
           <a:p>
             <a:fld id="{3E1D827B-9946-4E0D-97BA-FFCB17A9AF00}" type="datetimeFigureOut">
               <a:rPr lang="ko-KR" altLang="en-US" smtClean="0"/>
-              <a:t>2023-09-15</a:t>
+              <a:t>2023-09-18</a:t>
             </a:fld>
             <a:endParaRPr lang="ko-KR" altLang="en-US"/>
           </a:p>
@@ -6244,7 +6244,7 @@
           <a:ln/>
           <a:extLst>
             <a:ext uri="{91240B29-F687-4f45-9708-019B960494DF}">
-              <a14:hiddenLine xmlns="" xmlns:a14="http://schemas.microsoft.com/office/drawing/2010/main" w="9525">
+              <a14:hiddenLine xmlns:a14="http://schemas.microsoft.com/office/drawing/2010/main" xmlns="" w="9525">
                 <a:solidFill>
                   <a:srgbClr val="000000"/>
                 </a:solidFill>
@@ -6372,7 +6372,7 @@
           <a:p>
             <a:fld id="{3E1D827B-9946-4E0D-97BA-FFCB17A9AF00}" type="datetimeFigureOut">
               <a:rPr lang="ko-KR" altLang="en-US" smtClean="0"/>
-              <a:t>2023-09-15</a:t>
+              <a:t>2023-09-18</a:t>
             </a:fld>
             <a:endParaRPr lang="ko-KR" altLang="en-US"/>
           </a:p>
@@ -6715,7 +6715,7 @@
           <a:p>
             <a:fld id="{3E1D827B-9946-4E0D-97BA-FFCB17A9AF00}" type="datetimeFigureOut">
               <a:rPr lang="ko-KR" altLang="en-US" smtClean="0"/>
-              <a:t>2023-09-15</a:t>
+              <a:t>2023-09-18</a:t>
             </a:fld>
             <a:endParaRPr lang="ko-KR" altLang="en-US"/>
           </a:p>
@@ -6870,7 +6870,7 @@
           <a:ln/>
           <a:extLst>
             <a:ext uri="{91240B29-F687-4f45-9708-019B960494DF}">
-              <a14:hiddenLine xmlns="" xmlns:a14="http://schemas.microsoft.com/office/drawing/2010/main" w="9525">
+              <a14:hiddenLine xmlns:a14="http://schemas.microsoft.com/office/drawing/2010/main" xmlns="" w="9525">
                 <a:solidFill>
                   <a:srgbClr val="000000"/>
                 </a:solidFill>
@@ -7054,7 +7054,7 @@
           <a:p>
             <a:fld id="{3E1D827B-9946-4E0D-97BA-FFCB17A9AF00}" type="datetimeFigureOut">
               <a:rPr lang="ko-KR" altLang="en-US" smtClean="0"/>
-              <a:t>2023-09-15</a:t>
+              <a:t>2023-09-18</a:t>
             </a:fld>
             <a:endParaRPr lang="ko-KR" altLang="en-US"/>
           </a:p>
@@ -7214,7 +7214,7 @@
           <a:ln/>
           <a:extLst>
             <a:ext uri="{91240B29-F687-4f45-9708-019B960494DF}">
-              <a14:hiddenLine xmlns="" xmlns:a14="http://schemas.microsoft.com/office/drawing/2010/main" w="9525">
+              <a14:hiddenLine xmlns:a14="http://schemas.microsoft.com/office/drawing/2010/main" xmlns="" w="9525">
                 <a:solidFill>
                   <a:srgbClr val="000000"/>
                 </a:solidFill>
@@ -7536,7 +7536,7 @@
           <a:p>
             <a:fld id="{3E1D827B-9946-4E0D-97BA-FFCB17A9AF00}" type="datetimeFigureOut">
               <a:rPr lang="ko-KR" altLang="en-US" smtClean="0"/>
-              <a:t>2023-09-15</a:t>
+              <a:t>2023-09-18</a:t>
             </a:fld>
             <a:endParaRPr lang="ko-KR" altLang="en-US"/>
           </a:p>
@@ -7696,7 +7696,7 @@
           <a:ln/>
           <a:extLst>
             <a:ext uri="{91240B29-F687-4f45-9708-019B960494DF}">
-              <a14:hiddenLine xmlns="" xmlns:a14="http://schemas.microsoft.com/office/drawing/2010/main" w="9525">
+              <a14:hiddenLine xmlns:a14="http://schemas.microsoft.com/office/drawing/2010/main" xmlns="" w="9525">
                 <a:solidFill>
                   <a:srgbClr val="000000"/>
                 </a:solidFill>
@@ -7762,7 +7762,7 @@
           <a:p>
             <a:fld id="{3E1D827B-9946-4E0D-97BA-FFCB17A9AF00}" type="datetimeFigureOut">
               <a:rPr lang="ko-KR" altLang="en-US" smtClean="0"/>
-              <a:t>2023-09-15</a:t>
+              <a:t>2023-09-18</a:t>
             </a:fld>
             <a:endParaRPr lang="ko-KR" altLang="en-US"/>
           </a:p>
@@ -7857,7 +7857,7 @@
           <a:p>
             <a:fld id="{3E1D827B-9946-4E0D-97BA-FFCB17A9AF00}" type="datetimeFigureOut">
               <a:rPr lang="ko-KR" altLang="en-US" smtClean="0"/>
-              <a:t>2023-09-15</a:t>
+              <a:t>2023-09-18</a:t>
             </a:fld>
             <a:endParaRPr lang="ko-KR" altLang="en-US"/>
           </a:p>
@@ -8125,7 +8125,7 @@
           <a:ln/>
           <a:extLst>
             <a:ext uri="{91240B29-F687-4f45-9708-019B960494DF}">
-              <a14:hiddenLine xmlns="" xmlns:a14="http://schemas.microsoft.com/office/drawing/2010/main" w="9525">
+              <a14:hiddenLine xmlns:a14="http://schemas.microsoft.com/office/drawing/2010/main" xmlns="" w="9525">
                 <a:solidFill>
                   <a:srgbClr val="000000"/>
                 </a:solidFill>
@@ -8324,7 +8324,7 @@
           <a:p>
             <a:fld id="{3E1D827B-9946-4E0D-97BA-FFCB17A9AF00}" type="datetimeFigureOut">
               <a:rPr lang="ko-KR" altLang="en-US" smtClean="0"/>
-              <a:t>2023-09-15</a:t>
+              <a:t>2023-09-18</a:t>
             </a:fld>
             <a:endParaRPr lang="ko-KR" altLang="en-US"/>
           </a:p>
@@ -8642,7 +8642,7 @@
           <a:p>
             <a:fld id="{3E1D827B-9946-4E0D-97BA-FFCB17A9AF00}" type="datetimeFigureOut">
               <a:rPr lang="ko-KR" altLang="en-US" smtClean="0"/>
-              <a:t>2023-09-15</a:t>
+              <a:t>2023-09-18</a:t>
             </a:fld>
             <a:endParaRPr lang="ko-KR" altLang="en-US"/>
           </a:p>
@@ -8912,7 +8912,7 @@
           <a:p>
             <a:fld id="{3E1D827B-9946-4E0D-97BA-FFCB17A9AF00}" type="datetimeFigureOut">
               <a:rPr lang="ko-KR" altLang="en-US" smtClean="0"/>
-              <a:t>2023-09-15</a:t>
+              <a:t>2023-09-18</a:t>
             </a:fld>
             <a:endParaRPr lang="ko-KR" altLang="en-US"/>
           </a:p>
@@ -9979,51 +9979,6 @@
           </a:fontRef>
         </p:style>
       </p:cxnSp>
-      <p:cxnSp>
-        <p:nvCxnSpPr>
-          <p:cNvPr id="3" name="직선 화살표 연결선 2">
-            <a:extLst>
-              <a:ext uri="{FF2B5EF4-FFF2-40B4-BE49-F238E27FC236}">
-                <a16:creationId xmlns:a16="http://schemas.microsoft.com/office/drawing/2014/main" id="{608EE758-E57E-128D-CF4D-B5337FA7CAEE}"/>
-              </a:ext>
-            </a:extLst>
-          </p:cNvPr>
-          <p:cNvCxnSpPr>
-            <a:cxnSpLocks/>
-            <a:stCxn id="16" idx="3"/>
-            <a:endCxn id="2" idx="3"/>
-          </p:cNvCxnSpPr>
-          <p:nvPr/>
-        </p:nvCxnSpPr>
-        <p:spPr>
-          <a:xfrm>
-            <a:off x="2676088" y="404632"/>
-            <a:ext cx="0" cy="1435060"/>
-          </a:xfrm>
-          <a:prstGeom prst="straightConnector1">
-            <a:avLst/>
-          </a:prstGeom>
-          <a:ln w="38100" cmpd="dbl">
-            <a:prstDash val="dash"/>
-            <a:headEnd type="arrow" w="med" len="med"/>
-            <a:tailEnd type="arrow" w="med" len="med"/>
-          </a:ln>
-        </p:spPr>
-        <p:style>
-          <a:lnRef idx="1">
-            <a:schemeClr val="accent1"/>
-          </a:lnRef>
-          <a:fillRef idx="0">
-            <a:schemeClr val="accent1"/>
-          </a:fillRef>
-          <a:effectRef idx="0">
-            <a:schemeClr val="accent1"/>
-          </a:effectRef>
-          <a:fontRef idx="minor">
-            <a:schemeClr val="tx1"/>
-          </a:fontRef>
-        </p:style>
-      </p:cxnSp>
     </p:spTree>
     <p:extLst>
       <p:ext uri="{BB962C8B-B14F-4D97-AF65-F5344CB8AC3E}">

--- a/DsDotNet/src/UnitTest/UnitTest.Model/ImportOfficeExample/Sample/Lib/Conveyor/CV.pptx
+++ b/DsDotNet/src/UnitTest/UnitTest.Model/ImportOfficeExample/Sample/Lib/Conveyor/CV.pptx
@@ -5,7 +5,8 @@
     <p:sldMasterId id="2147484557" r:id="rId1"/>
   </p:sldMasterIdLst>
   <p:sldIdLst>
-    <p:sldId id="527" r:id="rId2"/>
+    <p:sldId id="528" r:id="rId2"/>
+    <p:sldId id="527" r:id="rId3"/>
   </p:sldIdLst>
   <p:sldSz cx="12192000" cy="6858000"/>
   <p:notesSz cx="6858000" cy="9144000"/>
@@ -108,7 +109,9 @@
     <p:ext uri="{521415D9-36F7-43E2-AB2F-B90AF26B5E84}">
       <p14:sectionLst xmlns:p14="http://schemas.microsoft.com/office/powerpoint/2010/main">
         <p14:section name="기본 구역" id="{D3ACC491-5024-4D0E-9B71-D32C75844816}">
-          <p14:sldIdLst/>
+          <p14:sldIdLst>
+            <p14:sldId id="528"/>
+          </p14:sldIdLst>
         </p14:section>
         <p14:section name="DS" id="{5D5FBC23-C881-439C-8531-745659E5E09B}">
           <p14:sldIdLst>
@@ -3999,7 +4002,7 @@
           <a:effectLst/>
           <a:extLst>
             <a:ext uri="{91240B29-F687-4f45-9708-019B960494DF}">
-              <a14:hiddenLine xmlns:a14="http://schemas.microsoft.com/office/drawing/2010/main" xmlns="" w="9525">
+              <a14:hiddenLine xmlns="" xmlns:a14="http://schemas.microsoft.com/office/drawing/2010/main" w="9525">
                 <a:solidFill>
                   <a:srgbClr val="000000"/>
                 </a:solidFill>
@@ -4191,7 +4194,7 @@
           <a:p>
             <a:fld id="{3E1D827B-9946-4E0D-97BA-FFCB17A9AF00}" type="datetimeFigureOut">
               <a:rPr lang="ko-KR" altLang="en-US" smtClean="0"/>
-              <a:t>2023-09-18</a:t>
+              <a:t>2023-10-04</a:t>
             </a:fld>
             <a:endParaRPr lang="ko-KR" altLang="en-US"/>
           </a:p>
@@ -4509,7 +4512,7 @@
           <a:p>
             <a:fld id="{3E1D827B-9946-4E0D-97BA-FFCB17A9AF00}" type="datetimeFigureOut">
               <a:rPr lang="ko-KR" altLang="en-US" smtClean="0"/>
-              <a:t>2023-09-18</a:t>
+              <a:t>2023-10-04</a:t>
             </a:fld>
             <a:endParaRPr lang="ko-KR" altLang="en-US"/>
           </a:p>
@@ -4997,7 +5000,7 @@
           <a:p>
             <a:fld id="{3E1D827B-9946-4E0D-97BA-FFCB17A9AF00}" type="datetimeFigureOut">
               <a:rPr lang="ko-KR" altLang="en-US" smtClean="0"/>
-              <a:t>2023-09-18</a:t>
+              <a:t>2023-10-04</a:t>
             </a:fld>
             <a:endParaRPr lang="ko-KR" altLang="en-US"/>
           </a:p>
@@ -5366,7 +5369,7 @@
           <a:p>
             <a:fld id="{3E1D827B-9946-4E0D-97BA-FFCB17A9AF00}" type="datetimeFigureOut">
               <a:rPr lang="ko-KR" altLang="en-US" smtClean="0"/>
-              <a:t>2023-09-18</a:t>
+              <a:t>2023-10-04</a:t>
             </a:fld>
             <a:endParaRPr lang="ko-KR" altLang="en-US"/>
           </a:p>
@@ -5521,7 +5524,7 @@
           <a:ln/>
           <a:extLst>
             <a:ext uri="{91240B29-F687-4f45-9708-019B960494DF}">
-              <a14:hiddenLine xmlns:a14="http://schemas.microsoft.com/office/drawing/2010/main" xmlns="" w="9525">
+              <a14:hiddenLine xmlns="" xmlns:a14="http://schemas.microsoft.com/office/drawing/2010/main" w="9525">
                 <a:solidFill>
                   <a:srgbClr val="000000"/>
                 </a:solidFill>
@@ -5639,7 +5642,7 @@
           <a:p>
             <a:fld id="{3E1D827B-9946-4E0D-97BA-FFCB17A9AF00}" type="datetimeFigureOut">
               <a:rPr lang="ko-KR" altLang="en-US" smtClean="0"/>
-              <a:t>2023-09-18</a:t>
+              <a:t>2023-10-04</a:t>
             </a:fld>
             <a:endParaRPr lang="ko-KR" altLang="en-US"/>
           </a:p>
@@ -5796,7 +5799,7 @@
           <a:ln/>
           <a:extLst>
             <a:ext uri="{91240B29-F687-4f45-9708-019B960494DF}">
-              <a14:hiddenLine xmlns:a14="http://schemas.microsoft.com/office/drawing/2010/main" xmlns="" w="9525">
+              <a14:hiddenLine xmlns="" xmlns:a14="http://schemas.microsoft.com/office/drawing/2010/main" w="9525">
                 <a:solidFill>
                   <a:srgbClr val="000000"/>
                 </a:solidFill>
@@ -5924,7 +5927,7 @@
           <a:p>
             <a:fld id="{3E1D827B-9946-4E0D-97BA-FFCB17A9AF00}" type="datetimeFigureOut">
               <a:rPr lang="ko-KR" altLang="en-US" smtClean="0"/>
-              <a:t>2023-09-18</a:t>
+              <a:t>2023-10-04</a:t>
             </a:fld>
             <a:endParaRPr lang="ko-KR" altLang="en-US"/>
           </a:p>
@@ -6019,7 +6022,7 @@
           <a:p>
             <a:fld id="{3E1D827B-9946-4E0D-97BA-FFCB17A9AF00}" type="datetimeFigureOut">
               <a:rPr lang="ko-KR" altLang="en-US" smtClean="0"/>
-              <a:t>2023-09-18</a:t>
+              <a:t>2023-10-04</a:t>
             </a:fld>
             <a:endParaRPr lang="ko-KR" altLang="en-US"/>
           </a:p>
@@ -6244,7 +6247,7 @@
           <a:ln/>
           <a:extLst>
             <a:ext uri="{91240B29-F687-4f45-9708-019B960494DF}">
-              <a14:hiddenLine xmlns:a14="http://schemas.microsoft.com/office/drawing/2010/main" xmlns="" w="9525">
+              <a14:hiddenLine xmlns="" xmlns:a14="http://schemas.microsoft.com/office/drawing/2010/main" w="9525">
                 <a:solidFill>
                   <a:srgbClr val="000000"/>
                 </a:solidFill>
@@ -6372,7 +6375,7 @@
           <a:p>
             <a:fld id="{3E1D827B-9946-4E0D-97BA-FFCB17A9AF00}" type="datetimeFigureOut">
               <a:rPr lang="ko-KR" altLang="en-US" smtClean="0"/>
-              <a:t>2023-09-18</a:t>
+              <a:t>2023-10-04</a:t>
             </a:fld>
             <a:endParaRPr lang="ko-KR" altLang="en-US"/>
           </a:p>
@@ -6715,7 +6718,7 @@
           <a:p>
             <a:fld id="{3E1D827B-9946-4E0D-97BA-FFCB17A9AF00}" type="datetimeFigureOut">
               <a:rPr lang="ko-KR" altLang="en-US" smtClean="0"/>
-              <a:t>2023-09-18</a:t>
+              <a:t>2023-10-04</a:t>
             </a:fld>
             <a:endParaRPr lang="ko-KR" altLang="en-US"/>
           </a:p>
@@ -6870,7 +6873,7 @@
           <a:ln/>
           <a:extLst>
             <a:ext uri="{91240B29-F687-4f45-9708-019B960494DF}">
-              <a14:hiddenLine xmlns:a14="http://schemas.microsoft.com/office/drawing/2010/main" xmlns="" w="9525">
+              <a14:hiddenLine xmlns="" xmlns:a14="http://schemas.microsoft.com/office/drawing/2010/main" w="9525">
                 <a:solidFill>
                   <a:srgbClr val="000000"/>
                 </a:solidFill>
@@ -7054,7 +7057,7 @@
           <a:p>
             <a:fld id="{3E1D827B-9946-4E0D-97BA-FFCB17A9AF00}" type="datetimeFigureOut">
               <a:rPr lang="ko-KR" altLang="en-US" smtClean="0"/>
-              <a:t>2023-09-18</a:t>
+              <a:t>2023-10-04</a:t>
             </a:fld>
             <a:endParaRPr lang="ko-KR" altLang="en-US"/>
           </a:p>
@@ -7214,7 +7217,7 @@
           <a:ln/>
           <a:extLst>
             <a:ext uri="{91240B29-F687-4f45-9708-019B960494DF}">
-              <a14:hiddenLine xmlns:a14="http://schemas.microsoft.com/office/drawing/2010/main" xmlns="" w="9525">
+              <a14:hiddenLine xmlns="" xmlns:a14="http://schemas.microsoft.com/office/drawing/2010/main" w="9525">
                 <a:solidFill>
                   <a:srgbClr val="000000"/>
                 </a:solidFill>
@@ -7536,7 +7539,7 @@
           <a:p>
             <a:fld id="{3E1D827B-9946-4E0D-97BA-FFCB17A9AF00}" type="datetimeFigureOut">
               <a:rPr lang="ko-KR" altLang="en-US" smtClean="0"/>
-              <a:t>2023-09-18</a:t>
+              <a:t>2023-10-04</a:t>
             </a:fld>
             <a:endParaRPr lang="ko-KR" altLang="en-US"/>
           </a:p>
@@ -7696,7 +7699,7 @@
           <a:ln/>
           <a:extLst>
             <a:ext uri="{91240B29-F687-4f45-9708-019B960494DF}">
-              <a14:hiddenLine xmlns:a14="http://schemas.microsoft.com/office/drawing/2010/main" xmlns="" w="9525">
+              <a14:hiddenLine xmlns="" xmlns:a14="http://schemas.microsoft.com/office/drawing/2010/main" w="9525">
                 <a:solidFill>
                   <a:srgbClr val="000000"/>
                 </a:solidFill>
@@ -7762,7 +7765,7 @@
           <a:p>
             <a:fld id="{3E1D827B-9946-4E0D-97BA-FFCB17A9AF00}" type="datetimeFigureOut">
               <a:rPr lang="ko-KR" altLang="en-US" smtClean="0"/>
-              <a:t>2023-09-18</a:t>
+              <a:t>2023-10-04</a:t>
             </a:fld>
             <a:endParaRPr lang="ko-KR" altLang="en-US"/>
           </a:p>
@@ -7857,7 +7860,7 @@
           <a:p>
             <a:fld id="{3E1D827B-9946-4E0D-97BA-FFCB17A9AF00}" type="datetimeFigureOut">
               <a:rPr lang="ko-KR" altLang="en-US" smtClean="0"/>
-              <a:t>2023-09-18</a:t>
+              <a:t>2023-10-04</a:t>
             </a:fld>
             <a:endParaRPr lang="ko-KR" altLang="en-US"/>
           </a:p>
@@ -8125,7 +8128,7 @@
           <a:ln/>
           <a:extLst>
             <a:ext uri="{91240B29-F687-4f45-9708-019B960494DF}">
-              <a14:hiddenLine xmlns:a14="http://schemas.microsoft.com/office/drawing/2010/main" xmlns="" w="9525">
+              <a14:hiddenLine xmlns="" xmlns:a14="http://schemas.microsoft.com/office/drawing/2010/main" w="9525">
                 <a:solidFill>
                   <a:srgbClr val="000000"/>
                 </a:solidFill>
@@ -8324,7 +8327,7 @@
           <a:p>
             <a:fld id="{3E1D827B-9946-4E0D-97BA-FFCB17A9AF00}" type="datetimeFigureOut">
               <a:rPr lang="ko-KR" altLang="en-US" smtClean="0"/>
-              <a:t>2023-09-18</a:t>
+              <a:t>2023-10-04</a:t>
             </a:fld>
             <a:endParaRPr lang="ko-KR" altLang="en-US"/>
           </a:p>
@@ -8642,7 +8645,7 @@
           <a:p>
             <a:fld id="{3E1D827B-9946-4E0D-97BA-FFCB17A9AF00}" type="datetimeFigureOut">
               <a:rPr lang="ko-KR" altLang="en-US" smtClean="0"/>
-              <a:t>2023-09-18</a:t>
+              <a:t>2023-10-04</a:t>
             </a:fld>
             <a:endParaRPr lang="ko-KR" altLang="en-US"/>
           </a:p>
@@ -8912,7 +8915,7 @@
           <a:p>
             <a:fld id="{3E1D827B-9946-4E0D-97BA-FFCB17A9AF00}" type="datetimeFigureOut">
               <a:rPr lang="ko-KR" altLang="en-US" smtClean="0"/>
-              <a:t>2023-09-18</a:t>
+              <a:t>2023-10-04</a:t>
             </a:fld>
             <a:endParaRPr lang="ko-KR" altLang="en-US"/>
           </a:p>
@@ -9369,6 +9372,90 @@
       </p:grpSpPr>
       <p:sp>
         <p:nvSpPr>
+          <p:cNvPr id="2" name="제목 1">
+            <a:extLst>
+              <a:ext uri="{FF2B5EF4-FFF2-40B4-BE49-F238E27FC236}">
+                <a16:creationId xmlns:a16="http://schemas.microsoft.com/office/drawing/2014/main" id="{3BE81A9B-399D-5839-FE7A-6E4C4F1DADAA}"/>
+              </a:ext>
+            </a:extLst>
+          </p:cNvPr>
+          <p:cNvSpPr>
+            <a:spLocks noGrp="1"/>
+          </p:cNvSpPr>
+          <p:nvPr>
+            <p:ph type="ctrTitle"/>
+          </p:nvPr>
+        </p:nvSpPr>
+        <p:spPr/>
+        <p:txBody>
+          <a:bodyPr/>
+          <a:lstStyle/>
+          <a:p>
+            <a:r>
+              <a:rPr lang="en-US" altLang="ko-KR"/>
+              <a:t>CV</a:t>
+            </a:r>
+            <a:endParaRPr lang="ko-KR" altLang="en-US"/>
+          </a:p>
+        </p:txBody>
+      </p:sp>
+      <p:sp>
+        <p:nvSpPr>
+          <p:cNvPr id="3" name="부제목 2">
+            <a:extLst>
+              <a:ext uri="{FF2B5EF4-FFF2-40B4-BE49-F238E27FC236}">
+                <a16:creationId xmlns:a16="http://schemas.microsoft.com/office/drawing/2014/main" id="{358A2276-1C11-8FEE-797C-BEE6A72869B3}"/>
+              </a:ext>
+            </a:extLst>
+          </p:cNvPr>
+          <p:cNvSpPr>
+            <a:spLocks noGrp="1"/>
+          </p:cNvSpPr>
+          <p:nvPr>
+            <p:ph type="subTitle" idx="1"/>
+          </p:nvPr>
+        </p:nvSpPr>
+        <p:spPr/>
+        <p:txBody>
+          <a:bodyPr/>
+          <a:lstStyle/>
+          <a:p>
+            <a:endParaRPr lang="ko-KR" altLang="en-US"/>
+          </a:p>
+        </p:txBody>
+      </p:sp>
+    </p:spTree>
+    <p:extLst>
+      <p:ext uri="{BB962C8B-B14F-4D97-AF65-F5344CB8AC3E}">
+        <p14:creationId xmlns:p14="http://schemas.microsoft.com/office/powerpoint/2010/main" val="3962300845"/>
+      </p:ext>
+    </p:extLst>
+  </p:cSld>
+  <p:clrMapOvr>
+    <a:masterClrMapping/>
+  </p:clrMapOvr>
+</p:sld>
+</file>
+
+<file path=ppt/slides/slide2.xml><?xml version="1.0" encoding="utf-8"?>
+<p:sld xmlns:a="http://schemas.openxmlformats.org/drawingml/2006/main" xmlns:r="http://schemas.openxmlformats.org/officeDocument/2006/relationships" xmlns:p="http://schemas.openxmlformats.org/presentationml/2006/main">
+  <p:cSld>
+    <p:spTree>
+      <p:nvGrpSpPr>
+        <p:cNvPr id="1" name=""/>
+        <p:cNvGrpSpPr/>
+        <p:nvPr/>
+      </p:nvGrpSpPr>
+      <p:grpSpPr>
+        <a:xfrm>
+          <a:off x="0" y="0"/>
+          <a:ext cx="0" cy="0"/>
+          <a:chOff x="0" y="0"/>
+          <a:chExt cx="0" cy="0"/>
+        </a:xfrm>
+      </p:grpSpPr>
+      <p:sp>
+        <p:nvSpPr>
           <p:cNvPr id="4" name="제목 3">
             <a:extLst>
               <a:ext uri="{FF2B5EF4-FFF2-40B4-BE49-F238E27FC236}">

--- a/DsDotNet/src/UnitTest/UnitTest.Model/ImportOfficeExample/Sample/Lib/Conveyor/CV.pptx
+++ b/DsDotNet/src/UnitTest/UnitTest.Model/ImportOfficeExample/Sample/Lib/Conveyor/CV.pptx
@@ -4002,7 +4002,7 @@
           <a:effectLst/>
           <a:extLst>
             <a:ext uri="{91240B29-F687-4f45-9708-019B960494DF}">
-              <a14:hiddenLine xmlns="" xmlns:a14="http://schemas.microsoft.com/office/drawing/2010/main" w="9525">
+              <a14:hiddenLine xmlns:a14="http://schemas.microsoft.com/office/drawing/2010/main" xmlns="" w="9525">
                 <a:solidFill>
                   <a:srgbClr val="000000"/>
                 </a:solidFill>
@@ -4194,7 +4194,7 @@
           <a:p>
             <a:fld id="{3E1D827B-9946-4E0D-97BA-FFCB17A9AF00}" type="datetimeFigureOut">
               <a:rPr lang="ko-KR" altLang="en-US" smtClean="0"/>
-              <a:t>2023-10-04</a:t>
+              <a:t>2023-10-15</a:t>
             </a:fld>
             <a:endParaRPr lang="ko-KR" altLang="en-US"/>
           </a:p>
@@ -4512,7 +4512,7 @@
           <a:p>
             <a:fld id="{3E1D827B-9946-4E0D-97BA-FFCB17A9AF00}" type="datetimeFigureOut">
               <a:rPr lang="ko-KR" altLang="en-US" smtClean="0"/>
-              <a:t>2023-10-04</a:t>
+              <a:t>2023-10-15</a:t>
             </a:fld>
             <a:endParaRPr lang="ko-KR" altLang="en-US"/>
           </a:p>
@@ -5000,7 +5000,7 @@
           <a:p>
             <a:fld id="{3E1D827B-9946-4E0D-97BA-FFCB17A9AF00}" type="datetimeFigureOut">
               <a:rPr lang="ko-KR" altLang="en-US" smtClean="0"/>
-              <a:t>2023-10-04</a:t>
+              <a:t>2023-10-15</a:t>
             </a:fld>
             <a:endParaRPr lang="ko-KR" altLang="en-US"/>
           </a:p>
@@ -5369,7 +5369,7 @@
           <a:p>
             <a:fld id="{3E1D827B-9946-4E0D-97BA-FFCB17A9AF00}" type="datetimeFigureOut">
               <a:rPr lang="ko-KR" altLang="en-US" smtClean="0"/>
-              <a:t>2023-10-04</a:t>
+              <a:t>2023-10-15</a:t>
             </a:fld>
             <a:endParaRPr lang="ko-KR" altLang="en-US"/>
           </a:p>
@@ -5524,7 +5524,7 @@
           <a:ln/>
           <a:extLst>
             <a:ext uri="{91240B29-F687-4f45-9708-019B960494DF}">
-              <a14:hiddenLine xmlns="" xmlns:a14="http://schemas.microsoft.com/office/drawing/2010/main" w="9525">
+              <a14:hiddenLine xmlns:a14="http://schemas.microsoft.com/office/drawing/2010/main" xmlns="" w="9525">
                 <a:solidFill>
                   <a:srgbClr val="000000"/>
                 </a:solidFill>
@@ -5642,7 +5642,7 @@
           <a:p>
             <a:fld id="{3E1D827B-9946-4E0D-97BA-FFCB17A9AF00}" type="datetimeFigureOut">
               <a:rPr lang="ko-KR" altLang="en-US" smtClean="0"/>
-              <a:t>2023-10-04</a:t>
+              <a:t>2023-10-15</a:t>
             </a:fld>
             <a:endParaRPr lang="ko-KR" altLang="en-US"/>
           </a:p>
@@ -5799,7 +5799,7 @@
           <a:ln/>
           <a:extLst>
             <a:ext uri="{91240B29-F687-4f45-9708-019B960494DF}">
-              <a14:hiddenLine xmlns="" xmlns:a14="http://schemas.microsoft.com/office/drawing/2010/main" w="9525">
+              <a14:hiddenLine xmlns:a14="http://schemas.microsoft.com/office/drawing/2010/main" xmlns="" w="9525">
                 <a:solidFill>
                   <a:srgbClr val="000000"/>
                 </a:solidFill>
@@ -5927,7 +5927,7 @@
           <a:p>
             <a:fld id="{3E1D827B-9946-4E0D-97BA-FFCB17A9AF00}" type="datetimeFigureOut">
               <a:rPr lang="ko-KR" altLang="en-US" smtClean="0"/>
-              <a:t>2023-10-04</a:t>
+              <a:t>2023-10-15</a:t>
             </a:fld>
             <a:endParaRPr lang="ko-KR" altLang="en-US"/>
           </a:p>
@@ -6022,7 +6022,7 @@
           <a:p>
             <a:fld id="{3E1D827B-9946-4E0D-97BA-FFCB17A9AF00}" type="datetimeFigureOut">
               <a:rPr lang="ko-KR" altLang="en-US" smtClean="0"/>
-              <a:t>2023-10-04</a:t>
+              <a:t>2023-10-15</a:t>
             </a:fld>
             <a:endParaRPr lang="ko-KR" altLang="en-US"/>
           </a:p>
@@ -6247,7 +6247,7 @@
           <a:ln/>
           <a:extLst>
             <a:ext uri="{91240B29-F687-4f45-9708-019B960494DF}">
-              <a14:hiddenLine xmlns="" xmlns:a14="http://schemas.microsoft.com/office/drawing/2010/main" w="9525">
+              <a14:hiddenLine xmlns:a14="http://schemas.microsoft.com/office/drawing/2010/main" xmlns="" w="9525">
                 <a:solidFill>
                   <a:srgbClr val="000000"/>
                 </a:solidFill>
@@ -6375,7 +6375,7 @@
           <a:p>
             <a:fld id="{3E1D827B-9946-4E0D-97BA-FFCB17A9AF00}" type="datetimeFigureOut">
               <a:rPr lang="ko-KR" altLang="en-US" smtClean="0"/>
-              <a:t>2023-10-04</a:t>
+              <a:t>2023-10-15</a:t>
             </a:fld>
             <a:endParaRPr lang="ko-KR" altLang="en-US"/>
           </a:p>
@@ -6718,7 +6718,7 @@
           <a:p>
             <a:fld id="{3E1D827B-9946-4E0D-97BA-FFCB17A9AF00}" type="datetimeFigureOut">
               <a:rPr lang="ko-KR" altLang="en-US" smtClean="0"/>
-              <a:t>2023-10-04</a:t>
+              <a:t>2023-10-15</a:t>
             </a:fld>
             <a:endParaRPr lang="ko-KR" altLang="en-US"/>
           </a:p>
@@ -6873,7 +6873,7 @@
           <a:ln/>
           <a:extLst>
             <a:ext uri="{91240B29-F687-4f45-9708-019B960494DF}">
-              <a14:hiddenLine xmlns="" xmlns:a14="http://schemas.microsoft.com/office/drawing/2010/main" w="9525">
+              <a14:hiddenLine xmlns:a14="http://schemas.microsoft.com/office/drawing/2010/main" xmlns="" w="9525">
                 <a:solidFill>
                   <a:srgbClr val="000000"/>
                 </a:solidFill>
@@ -7057,7 +7057,7 @@
           <a:p>
             <a:fld id="{3E1D827B-9946-4E0D-97BA-FFCB17A9AF00}" type="datetimeFigureOut">
               <a:rPr lang="ko-KR" altLang="en-US" smtClean="0"/>
-              <a:t>2023-10-04</a:t>
+              <a:t>2023-10-15</a:t>
             </a:fld>
             <a:endParaRPr lang="ko-KR" altLang="en-US"/>
           </a:p>
@@ -7217,7 +7217,7 @@
           <a:ln/>
           <a:extLst>
             <a:ext uri="{91240B29-F687-4f45-9708-019B960494DF}">
-              <a14:hiddenLine xmlns="" xmlns:a14="http://schemas.microsoft.com/office/drawing/2010/main" w="9525">
+              <a14:hiddenLine xmlns:a14="http://schemas.microsoft.com/office/drawing/2010/main" xmlns="" w="9525">
                 <a:solidFill>
                   <a:srgbClr val="000000"/>
                 </a:solidFill>
@@ -7539,7 +7539,7 @@
           <a:p>
             <a:fld id="{3E1D827B-9946-4E0D-97BA-FFCB17A9AF00}" type="datetimeFigureOut">
               <a:rPr lang="ko-KR" altLang="en-US" smtClean="0"/>
-              <a:t>2023-10-04</a:t>
+              <a:t>2023-10-15</a:t>
             </a:fld>
             <a:endParaRPr lang="ko-KR" altLang="en-US"/>
           </a:p>
@@ -7699,7 +7699,7 @@
           <a:ln/>
           <a:extLst>
             <a:ext uri="{91240B29-F687-4f45-9708-019B960494DF}">
-              <a14:hiddenLine xmlns="" xmlns:a14="http://schemas.microsoft.com/office/drawing/2010/main" w="9525">
+              <a14:hiddenLine xmlns:a14="http://schemas.microsoft.com/office/drawing/2010/main" xmlns="" w="9525">
                 <a:solidFill>
                   <a:srgbClr val="000000"/>
                 </a:solidFill>
@@ -7765,7 +7765,7 @@
           <a:p>
             <a:fld id="{3E1D827B-9946-4E0D-97BA-FFCB17A9AF00}" type="datetimeFigureOut">
               <a:rPr lang="ko-KR" altLang="en-US" smtClean="0"/>
-              <a:t>2023-10-04</a:t>
+              <a:t>2023-10-15</a:t>
             </a:fld>
             <a:endParaRPr lang="ko-KR" altLang="en-US"/>
           </a:p>
@@ -7860,7 +7860,7 @@
           <a:p>
             <a:fld id="{3E1D827B-9946-4E0D-97BA-FFCB17A9AF00}" type="datetimeFigureOut">
               <a:rPr lang="ko-KR" altLang="en-US" smtClean="0"/>
-              <a:t>2023-10-04</a:t>
+              <a:t>2023-10-15</a:t>
             </a:fld>
             <a:endParaRPr lang="ko-KR" altLang="en-US"/>
           </a:p>
@@ -8128,7 +8128,7 @@
           <a:ln/>
           <a:extLst>
             <a:ext uri="{91240B29-F687-4f45-9708-019B960494DF}">
-              <a14:hiddenLine xmlns="" xmlns:a14="http://schemas.microsoft.com/office/drawing/2010/main" w="9525">
+              <a14:hiddenLine xmlns:a14="http://schemas.microsoft.com/office/drawing/2010/main" xmlns="" w="9525">
                 <a:solidFill>
                   <a:srgbClr val="000000"/>
                 </a:solidFill>
@@ -8327,7 +8327,7 @@
           <a:p>
             <a:fld id="{3E1D827B-9946-4E0D-97BA-FFCB17A9AF00}" type="datetimeFigureOut">
               <a:rPr lang="ko-KR" altLang="en-US" smtClean="0"/>
-              <a:t>2023-10-04</a:t>
+              <a:t>2023-10-15</a:t>
             </a:fld>
             <a:endParaRPr lang="ko-KR" altLang="en-US"/>
           </a:p>
@@ -8645,7 +8645,7 @@
           <a:p>
             <a:fld id="{3E1D827B-9946-4E0D-97BA-FFCB17A9AF00}" type="datetimeFigureOut">
               <a:rPr lang="ko-KR" altLang="en-US" smtClean="0"/>
-              <a:t>2023-10-04</a:t>
+              <a:t>2023-10-15</a:t>
             </a:fld>
             <a:endParaRPr lang="ko-KR" altLang="en-US"/>
           </a:p>
@@ -8915,7 +8915,7 @@
           <a:p>
             <a:fld id="{3E1D827B-9946-4E0D-97BA-FFCB17A9AF00}" type="datetimeFigureOut">
               <a:rPr lang="ko-KR" altLang="en-US" smtClean="0"/>
-              <a:t>2023-10-04</a:t>
+              <a:t>2023-10-15</a:t>
             </a:fld>
             <a:endParaRPr lang="ko-KR" altLang="en-US"/>
           </a:p>
@@ -10016,8 +10016,13 @@
             <a:pPr algn="ctr"/>
             <a:r>
               <a:rPr lang="en-US" altLang="ko-KR" sz="1100" dirty="0"/>
-              <a:t>[REMOVE ~]</a:t>
+              <a:t>[</a:t>
             </a:r>
+            <a:r>
+              <a:rPr lang="en-US" altLang="ko-KR" sz="1100"/>
+              <a:t>REMOVE ~ REMOVE]</a:t>
+            </a:r>
+            <a:endParaRPr lang="en-US" altLang="ko-KR" sz="1100" dirty="0"/>
           </a:p>
         </p:txBody>
       </p:sp>

--- a/DsDotNet/src/UnitTest/UnitTest.Model/ImportOfficeExample/Sample/Lib/Conveyor/CV.pptx
+++ b/DsDotNet/src/UnitTest/UnitTest.Model/ImportOfficeExample/Sample/Lib/Conveyor/CV.pptx
@@ -4194,7 +4194,7 @@
           <a:p>
             <a:fld id="{3E1D827B-9946-4E0D-97BA-FFCB17A9AF00}" type="datetimeFigureOut">
               <a:rPr lang="ko-KR" altLang="en-US" smtClean="0"/>
-              <a:t>2023-10-15</a:t>
+              <a:t>2023-10-13</a:t>
             </a:fld>
             <a:endParaRPr lang="ko-KR" altLang="en-US"/>
           </a:p>
@@ -4512,7 +4512,7 @@
           <a:p>
             <a:fld id="{3E1D827B-9946-4E0D-97BA-FFCB17A9AF00}" type="datetimeFigureOut">
               <a:rPr lang="ko-KR" altLang="en-US" smtClean="0"/>
-              <a:t>2023-10-15</a:t>
+              <a:t>2023-10-13</a:t>
             </a:fld>
             <a:endParaRPr lang="ko-KR" altLang="en-US"/>
           </a:p>
@@ -5000,7 +5000,7 @@
           <a:p>
             <a:fld id="{3E1D827B-9946-4E0D-97BA-FFCB17A9AF00}" type="datetimeFigureOut">
               <a:rPr lang="ko-KR" altLang="en-US" smtClean="0"/>
-              <a:t>2023-10-15</a:t>
+              <a:t>2023-10-13</a:t>
             </a:fld>
             <a:endParaRPr lang="ko-KR" altLang="en-US"/>
           </a:p>
@@ -5369,7 +5369,7 @@
           <a:p>
             <a:fld id="{3E1D827B-9946-4E0D-97BA-FFCB17A9AF00}" type="datetimeFigureOut">
               <a:rPr lang="ko-KR" altLang="en-US" smtClean="0"/>
-              <a:t>2023-10-15</a:t>
+              <a:t>2023-10-13</a:t>
             </a:fld>
             <a:endParaRPr lang="ko-KR" altLang="en-US"/>
           </a:p>
@@ -5642,7 +5642,7 @@
           <a:p>
             <a:fld id="{3E1D827B-9946-4E0D-97BA-FFCB17A9AF00}" type="datetimeFigureOut">
               <a:rPr lang="ko-KR" altLang="en-US" smtClean="0"/>
-              <a:t>2023-10-15</a:t>
+              <a:t>2023-10-13</a:t>
             </a:fld>
             <a:endParaRPr lang="ko-KR" altLang="en-US"/>
           </a:p>
@@ -5927,7 +5927,7 @@
           <a:p>
             <a:fld id="{3E1D827B-9946-4E0D-97BA-FFCB17A9AF00}" type="datetimeFigureOut">
               <a:rPr lang="ko-KR" altLang="en-US" smtClean="0"/>
-              <a:t>2023-10-15</a:t>
+              <a:t>2023-10-13</a:t>
             </a:fld>
             <a:endParaRPr lang="ko-KR" altLang="en-US"/>
           </a:p>
@@ -6022,7 +6022,7 @@
           <a:p>
             <a:fld id="{3E1D827B-9946-4E0D-97BA-FFCB17A9AF00}" type="datetimeFigureOut">
               <a:rPr lang="ko-KR" altLang="en-US" smtClean="0"/>
-              <a:t>2023-10-15</a:t>
+              <a:t>2023-10-13</a:t>
             </a:fld>
             <a:endParaRPr lang="ko-KR" altLang="en-US"/>
           </a:p>
@@ -6375,7 +6375,7 @@
           <a:p>
             <a:fld id="{3E1D827B-9946-4E0D-97BA-FFCB17A9AF00}" type="datetimeFigureOut">
               <a:rPr lang="ko-KR" altLang="en-US" smtClean="0"/>
-              <a:t>2023-10-15</a:t>
+              <a:t>2023-10-13</a:t>
             </a:fld>
             <a:endParaRPr lang="ko-KR" altLang="en-US"/>
           </a:p>
@@ -6718,7 +6718,7 @@
           <a:p>
             <a:fld id="{3E1D827B-9946-4E0D-97BA-FFCB17A9AF00}" type="datetimeFigureOut">
               <a:rPr lang="ko-KR" altLang="en-US" smtClean="0"/>
-              <a:t>2023-10-15</a:t>
+              <a:t>2023-10-13</a:t>
             </a:fld>
             <a:endParaRPr lang="ko-KR" altLang="en-US"/>
           </a:p>
@@ -7057,7 +7057,7 @@
           <a:p>
             <a:fld id="{3E1D827B-9946-4E0D-97BA-FFCB17A9AF00}" type="datetimeFigureOut">
               <a:rPr lang="ko-KR" altLang="en-US" smtClean="0"/>
-              <a:t>2023-10-15</a:t>
+              <a:t>2023-10-13</a:t>
             </a:fld>
             <a:endParaRPr lang="ko-KR" altLang="en-US"/>
           </a:p>
@@ -7539,7 +7539,7 @@
           <a:p>
             <a:fld id="{3E1D827B-9946-4E0D-97BA-FFCB17A9AF00}" type="datetimeFigureOut">
               <a:rPr lang="ko-KR" altLang="en-US" smtClean="0"/>
-              <a:t>2023-10-15</a:t>
+              <a:t>2023-10-13</a:t>
             </a:fld>
             <a:endParaRPr lang="ko-KR" altLang="en-US"/>
           </a:p>
@@ -7765,7 +7765,7 @@
           <a:p>
             <a:fld id="{3E1D827B-9946-4E0D-97BA-FFCB17A9AF00}" type="datetimeFigureOut">
               <a:rPr lang="ko-KR" altLang="en-US" smtClean="0"/>
-              <a:t>2023-10-15</a:t>
+              <a:t>2023-10-13</a:t>
             </a:fld>
             <a:endParaRPr lang="ko-KR" altLang="en-US"/>
           </a:p>
@@ -7860,7 +7860,7 @@
           <a:p>
             <a:fld id="{3E1D827B-9946-4E0D-97BA-FFCB17A9AF00}" type="datetimeFigureOut">
               <a:rPr lang="ko-KR" altLang="en-US" smtClean="0"/>
-              <a:t>2023-10-15</a:t>
+              <a:t>2023-10-13</a:t>
             </a:fld>
             <a:endParaRPr lang="ko-KR" altLang="en-US"/>
           </a:p>
@@ -8327,7 +8327,7 @@
           <a:p>
             <a:fld id="{3E1D827B-9946-4E0D-97BA-FFCB17A9AF00}" type="datetimeFigureOut">
               <a:rPr lang="ko-KR" altLang="en-US" smtClean="0"/>
-              <a:t>2023-10-15</a:t>
+              <a:t>2023-10-13</a:t>
             </a:fld>
             <a:endParaRPr lang="ko-KR" altLang="en-US"/>
           </a:p>
@@ -8645,7 +8645,7 @@
           <a:p>
             <a:fld id="{3E1D827B-9946-4E0D-97BA-FFCB17A9AF00}" type="datetimeFigureOut">
               <a:rPr lang="ko-KR" altLang="en-US" smtClean="0"/>
-              <a:t>2023-10-15</a:t>
+              <a:t>2023-10-13</a:t>
             </a:fld>
             <a:endParaRPr lang="ko-KR" altLang="en-US"/>
           </a:p>
@@ -8915,7 +8915,7 @@
           <a:p>
             <a:fld id="{3E1D827B-9946-4E0D-97BA-FFCB17A9AF00}" type="datetimeFigureOut">
               <a:rPr lang="ko-KR" altLang="en-US" smtClean="0"/>
-              <a:t>2023-10-15</a:t>
+              <a:t>2023-10-13</a:t>
             </a:fld>
             <a:endParaRPr lang="ko-KR" altLang="en-US"/>
           </a:p>
@@ -9875,7 +9875,7 @@
         </p:nvSpPr>
         <p:spPr>
           <a:xfrm>
-            <a:off x="5266205" y="4536346"/>
+            <a:off x="3805694" y="4955796"/>
             <a:ext cx="1476709" cy="592469"/>
           </a:xfrm>
           <a:prstGeom prst="rect">
@@ -9924,7 +9924,7 @@
         </p:nvSpPr>
         <p:spPr>
           <a:xfrm>
-            <a:off x="5282403" y="3175571"/>
+            <a:off x="5282403" y="2139735"/>
             <a:ext cx="1444314" cy="592469"/>
           </a:xfrm>
           <a:prstGeom prst="rect">
@@ -10016,13 +10016,8 @@
             <a:pPr algn="ctr"/>
             <a:r>
               <a:rPr lang="en-US" altLang="ko-KR" sz="1100" dirty="0"/>
-              <a:t>[</a:t>
+              <a:t>[REMOVE ~ REMOVE]</a:t>
             </a:r>
-            <a:r>
-              <a:rPr lang="en-US" altLang="ko-KR" sz="1100"/>
-              <a:t>REMOVE ~ REMOVE]</a:t>
-            </a:r>
-            <a:endParaRPr lang="en-US" altLang="ko-KR" sz="1100" dirty="0"/>
           </a:p>
         </p:txBody>
       </p:sp>
@@ -10043,9 +10038,9 @@
           <p:nvPr/>
         </p:nvCxnSpPr>
         <p:spPr>
-          <a:xfrm>
-            <a:off x="6004560" y="3768040"/>
-            <a:ext cx="0" cy="768306"/>
+          <a:xfrm flipH="1">
+            <a:off x="4544049" y="2732204"/>
+            <a:ext cx="1460511" cy="2223592"/>
           </a:xfrm>
           <a:prstGeom prst="straightConnector1">
             <a:avLst/>

--- a/DsDotNet/src/UnitTest/UnitTest.Model/ImportOfficeExample/Sample/Lib/Conveyor/CV.pptx
+++ b/DsDotNet/src/UnitTest/UnitTest.Model/ImportOfficeExample/Sample/Lib/Conveyor/CV.pptx
@@ -4002,7 +4002,7 @@
           <a:effectLst/>
           <a:extLst>
             <a:ext uri="{91240B29-F687-4f45-9708-019B960494DF}">
-              <a14:hiddenLine xmlns:a14="http://schemas.microsoft.com/office/drawing/2010/main" xmlns="" w="9525">
+              <a14:hiddenLine xmlns="" xmlns:a14="http://schemas.microsoft.com/office/drawing/2010/main" w="9525">
                 <a:solidFill>
                   <a:srgbClr val="000000"/>
                 </a:solidFill>
@@ -4194,7 +4194,7 @@
           <a:p>
             <a:fld id="{3E1D827B-9946-4E0D-97BA-FFCB17A9AF00}" type="datetimeFigureOut">
               <a:rPr lang="ko-KR" altLang="en-US" smtClean="0"/>
-              <a:t>2023-10-13</a:t>
+              <a:t>2023-11-22</a:t>
             </a:fld>
             <a:endParaRPr lang="ko-KR" altLang="en-US"/>
           </a:p>
@@ -4512,7 +4512,7 @@
           <a:p>
             <a:fld id="{3E1D827B-9946-4E0D-97BA-FFCB17A9AF00}" type="datetimeFigureOut">
               <a:rPr lang="ko-KR" altLang="en-US" smtClean="0"/>
-              <a:t>2023-10-13</a:t>
+              <a:t>2023-11-22</a:t>
             </a:fld>
             <a:endParaRPr lang="ko-KR" altLang="en-US"/>
           </a:p>
@@ -5000,7 +5000,7 @@
           <a:p>
             <a:fld id="{3E1D827B-9946-4E0D-97BA-FFCB17A9AF00}" type="datetimeFigureOut">
               <a:rPr lang="ko-KR" altLang="en-US" smtClean="0"/>
-              <a:t>2023-10-13</a:t>
+              <a:t>2023-11-22</a:t>
             </a:fld>
             <a:endParaRPr lang="ko-KR" altLang="en-US"/>
           </a:p>
@@ -5369,7 +5369,7 @@
           <a:p>
             <a:fld id="{3E1D827B-9946-4E0D-97BA-FFCB17A9AF00}" type="datetimeFigureOut">
               <a:rPr lang="ko-KR" altLang="en-US" smtClean="0"/>
-              <a:t>2023-10-13</a:t>
+              <a:t>2023-11-22</a:t>
             </a:fld>
             <a:endParaRPr lang="ko-KR" altLang="en-US"/>
           </a:p>
@@ -5524,7 +5524,7 @@
           <a:ln/>
           <a:extLst>
             <a:ext uri="{91240B29-F687-4f45-9708-019B960494DF}">
-              <a14:hiddenLine xmlns:a14="http://schemas.microsoft.com/office/drawing/2010/main" xmlns="" w="9525">
+              <a14:hiddenLine xmlns="" xmlns:a14="http://schemas.microsoft.com/office/drawing/2010/main" w="9525">
                 <a:solidFill>
                   <a:srgbClr val="000000"/>
                 </a:solidFill>
@@ -5642,7 +5642,7 @@
           <a:p>
             <a:fld id="{3E1D827B-9946-4E0D-97BA-FFCB17A9AF00}" type="datetimeFigureOut">
               <a:rPr lang="ko-KR" altLang="en-US" smtClean="0"/>
-              <a:t>2023-10-13</a:t>
+              <a:t>2023-11-22</a:t>
             </a:fld>
             <a:endParaRPr lang="ko-KR" altLang="en-US"/>
           </a:p>
@@ -5799,7 +5799,7 @@
           <a:ln/>
           <a:extLst>
             <a:ext uri="{91240B29-F687-4f45-9708-019B960494DF}">
-              <a14:hiddenLine xmlns:a14="http://schemas.microsoft.com/office/drawing/2010/main" xmlns="" w="9525">
+              <a14:hiddenLine xmlns="" xmlns:a14="http://schemas.microsoft.com/office/drawing/2010/main" w="9525">
                 <a:solidFill>
                   <a:srgbClr val="000000"/>
                 </a:solidFill>
@@ -5927,7 +5927,7 @@
           <a:p>
             <a:fld id="{3E1D827B-9946-4E0D-97BA-FFCB17A9AF00}" type="datetimeFigureOut">
               <a:rPr lang="ko-KR" altLang="en-US" smtClean="0"/>
-              <a:t>2023-10-13</a:t>
+              <a:t>2023-11-22</a:t>
             </a:fld>
             <a:endParaRPr lang="ko-KR" altLang="en-US"/>
           </a:p>
@@ -6022,7 +6022,7 @@
           <a:p>
             <a:fld id="{3E1D827B-9946-4E0D-97BA-FFCB17A9AF00}" type="datetimeFigureOut">
               <a:rPr lang="ko-KR" altLang="en-US" smtClean="0"/>
-              <a:t>2023-10-13</a:t>
+              <a:t>2023-11-22</a:t>
             </a:fld>
             <a:endParaRPr lang="ko-KR" altLang="en-US"/>
           </a:p>
@@ -6247,7 +6247,7 @@
           <a:ln/>
           <a:extLst>
             <a:ext uri="{91240B29-F687-4f45-9708-019B960494DF}">
-              <a14:hiddenLine xmlns:a14="http://schemas.microsoft.com/office/drawing/2010/main" xmlns="" w="9525">
+              <a14:hiddenLine xmlns="" xmlns:a14="http://schemas.microsoft.com/office/drawing/2010/main" w="9525">
                 <a:solidFill>
                   <a:srgbClr val="000000"/>
                 </a:solidFill>
@@ -6375,7 +6375,7 @@
           <a:p>
             <a:fld id="{3E1D827B-9946-4E0D-97BA-FFCB17A9AF00}" type="datetimeFigureOut">
               <a:rPr lang="ko-KR" altLang="en-US" smtClean="0"/>
-              <a:t>2023-10-13</a:t>
+              <a:t>2023-11-22</a:t>
             </a:fld>
             <a:endParaRPr lang="ko-KR" altLang="en-US"/>
           </a:p>
@@ -6718,7 +6718,7 @@
           <a:p>
             <a:fld id="{3E1D827B-9946-4E0D-97BA-FFCB17A9AF00}" type="datetimeFigureOut">
               <a:rPr lang="ko-KR" altLang="en-US" smtClean="0"/>
-              <a:t>2023-10-13</a:t>
+              <a:t>2023-11-22</a:t>
             </a:fld>
             <a:endParaRPr lang="ko-KR" altLang="en-US"/>
           </a:p>
@@ -6873,7 +6873,7 @@
           <a:ln/>
           <a:extLst>
             <a:ext uri="{91240B29-F687-4f45-9708-019B960494DF}">
-              <a14:hiddenLine xmlns:a14="http://schemas.microsoft.com/office/drawing/2010/main" xmlns="" w="9525">
+              <a14:hiddenLine xmlns="" xmlns:a14="http://schemas.microsoft.com/office/drawing/2010/main" w="9525">
                 <a:solidFill>
                   <a:srgbClr val="000000"/>
                 </a:solidFill>
@@ -7057,7 +7057,7 @@
           <a:p>
             <a:fld id="{3E1D827B-9946-4E0D-97BA-FFCB17A9AF00}" type="datetimeFigureOut">
               <a:rPr lang="ko-KR" altLang="en-US" smtClean="0"/>
-              <a:t>2023-10-13</a:t>
+              <a:t>2023-11-22</a:t>
             </a:fld>
             <a:endParaRPr lang="ko-KR" altLang="en-US"/>
           </a:p>
@@ -7217,7 +7217,7 @@
           <a:ln/>
           <a:extLst>
             <a:ext uri="{91240B29-F687-4f45-9708-019B960494DF}">
-              <a14:hiddenLine xmlns:a14="http://schemas.microsoft.com/office/drawing/2010/main" xmlns="" w="9525">
+              <a14:hiddenLine xmlns="" xmlns:a14="http://schemas.microsoft.com/office/drawing/2010/main" w="9525">
                 <a:solidFill>
                   <a:srgbClr val="000000"/>
                 </a:solidFill>
@@ -7539,7 +7539,7 @@
           <a:p>
             <a:fld id="{3E1D827B-9946-4E0D-97BA-FFCB17A9AF00}" type="datetimeFigureOut">
               <a:rPr lang="ko-KR" altLang="en-US" smtClean="0"/>
-              <a:t>2023-10-13</a:t>
+              <a:t>2023-11-22</a:t>
             </a:fld>
             <a:endParaRPr lang="ko-KR" altLang="en-US"/>
           </a:p>
@@ -7699,7 +7699,7 @@
           <a:ln/>
           <a:extLst>
             <a:ext uri="{91240B29-F687-4f45-9708-019B960494DF}">
-              <a14:hiddenLine xmlns:a14="http://schemas.microsoft.com/office/drawing/2010/main" xmlns="" w="9525">
+              <a14:hiddenLine xmlns="" xmlns:a14="http://schemas.microsoft.com/office/drawing/2010/main" w="9525">
                 <a:solidFill>
                   <a:srgbClr val="000000"/>
                 </a:solidFill>
@@ -7765,7 +7765,7 @@
           <a:p>
             <a:fld id="{3E1D827B-9946-4E0D-97BA-FFCB17A9AF00}" type="datetimeFigureOut">
               <a:rPr lang="ko-KR" altLang="en-US" smtClean="0"/>
-              <a:t>2023-10-13</a:t>
+              <a:t>2023-11-22</a:t>
             </a:fld>
             <a:endParaRPr lang="ko-KR" altLang="en-US"/>
           </a:p>
@@ -7860,7 +7860,7 @@
           <a:p>
             <a:fld id="{3E1D827B-9946-4E0D-97BA-FFCB17A9AF00}" type="datetimeFigureOut">
               <a:rPr lang="ko-KR" altLang="en-US" smtClean="0"/>
-              <a:t>2023-10-13</a:t>
+              <a:t>2023-11-22</a:t>
             </a:fld>
             <a:endParaRPr lang="ko-KR" altLang="en-US"/>
           </a:p>
@@ -8128,7 +8128,7 @@
           <a:ln/>
           <a:extLst>
             <a:ext uri="{91240B29-F687-4f45-9708-019B960494DF}">
-              <a14:hiddenLine xmlns:a14="http://schemas.microsoft.com/office/drawing/2010/main" xmlns="" w="9525">
+              <a14:hiddenLine xmlns="" xmlns:a14="http://schemas.microsoft.com/office/drawing/2010/main" w="9525">
                 <a:solidFill>
                   <a:srgbClr val="000000"/>
                 </a:solidFill>
@@ -8327,7 +8327,7 @@
           <a:p>
             <a:fld id="{3E1D827B-9946-4E0D-97BA-FFCB17A9AF00}" type="datetimeFigureOut">
               <a:rPr lang="ko-KR" altLang="en-US" smtClean="0"/>
-              <a:t>2023-10-13</a:t>
+              <a:t>2023-11-22</a:t>
             </a:fld>
             <a:endParaRPr lang="ko-KR" altLang="en-US"/>
           </a:p>
@@ -8645,7 +8645,7 @@
           <a:p>
             <a:fld id="{3E1D827B-9946-4E0D-97BA-FFCB17A9AF00}" type="datetimeFigureOut">
               <a:rPr lang="ko-KR" altLang="en-US" smtClean="0"/>
-              <a:t>2023-10-13</a:t>
+              <a:t>2023-11-22</a:t>
             </a:fld>
             <a:endParaRPr lang="ko-KR" altLang="en-US"/>
           </a:p>
@@ -8915,7 +8915,7 @@
           <a:p>
             <a:fld id="{3E1D827B-9946-4E0D-97BA-FFCB17A9AF00}" type="datetimeFigureOut">
               <a:rPr lang="ko-KR" altLang="en-US" smtClean="0"/>
-              <a:t>2023-10-13</a:t>
+              <a:t>2023-11-22</a:t>
             </a:fld>
             <a:endParaRPr lang="ko-KR" altLang="en-US"/>
           </a:p>
@@ -9497,7 +9497,7 @@
         </p:nvSpPr>
         <p:spPr>
           <a:xfrm>
-            <a:off x="253376" y="104588"/>
+            <a:off x="-102519" y="2828913"/>
             <a:ext cx="2422712" cy="600087"/>
           </a:xfrm>
           <a:prstGeom prst="homePlate">
@@ -9973,7 +9973,7 @@
         </p:nvSpPr>
         <p:spPr>
           <a:xfrm>
-            <a:off x="253376" y="1539648"/>
+            <a:off x="-102519" y="4263973"/>
             <a:ext cx="2422712" cy="600087"/>
           </a:xfrm>
           <a:prstGeom prst="homePlate">

--- a/DsDotNet/src/UnitTest/UnitTest.Model/ImportOfficeExample/Sample/Lib/Conveyor/CV.pptx
+++ b/DsDotNet/src/UnitTest/UnitTest.Model/ImportOfficeExample/Sample/Lib/Conveyor/CV.pptx
@@ -4002,7 +4002,7 @@
           <a:effectLst/>
           <a:extLst>
             <a:ext uri="{91240B29-F687-4f45-9708-019B960494DF}">
-              <a14:hiddenLine xmlns="" xmlns:a14="http://schemas.microsoft.com/office/drawing/2010/main" w="9525">
+              <a14:hiddenLine xmlns:a14="http://schemas.microsoft.com/office/drawing/2010/main" xmlns="" w="9525">
                 <a:solidFill>
                   <a:srgbClr val="000000"/>
                 </a:solidFill>
@@ -4194,7 +4194,7 @@
           <a:p>
             <a:fld id="{3E1D827B-9946-4E0D-97BA-FFCB17A9AF00}" type="datetimeFigureOut">
               <a:rPr lang="ko-KR" altLang="en-US" smtClean="0"/>
-              <a:t>2023-11-22</a:t>
+              <a:t>2023-12-01</a:t>
             </a:fld>
             <a:endParaRPr lang="ko-KR" altLang="en-US"/>
           </a:p>
@@ -4512,7 +4512,7 @@
           <a:p>
             <a:fld id="{3E1D827B-9946-4E0D-97BA-FFCB17A9AF00}" type="datetimeFigureOut">
               <a:rPr lang="ko-KR" altLang="en-US" smtClean="0"/>
-              <a:t>2023-11-22</a:t>
+              <a:t>2023-12-01</a:t>
             </a:fld>
             <a:endParaRPr lang="ko-KR" altLang="en-US"/>
           </a:p>
@@ -5000,7 +5000,7 @@
           <a:p>
             <a:fld id="{3E1D827B-9946-4E0D-97BA-FFCB17A9AF00}" type="datetimeFigureOut">
               <a:rPr lang="ko-KR" altLang="en-US" smtClean="0"/>
-              <a:t>2023-11-22</a:t>
+              <a:t>2023-12-01</a:t>
             </a:fld>
             <a:endParaRPr lang="ko-KR" altLang="en-US"/>
           </a:p>
@@ -5369,7 +5369,7 @@
           <a:p>
             <a:fld id="{3E1D827B-9946-4E0D-97BA-FFCB17A9AF00}" type="datetimeFigureOut">
               <a:rPr lang="ko-KR" altLang="en-US" smtClean="0"/>
-              <a:t>2023-11-22</a:t>
+              <a:t>2023-12-01</a:t>
             </a:fld>
             <a:endParaRPr lang="ko-KR" altLang="en-US"/>
           </a:p>
@@ -5524,7 +5524,7 @@
           <a:ln/>
           <a:extLst>
             <a:ext uri="{91240B29-F687-4f45-9708-019B960494DF}">
-              <a14:hiddenLine xmlns="" xmlns:a14="http://schemas.microsoft.com/office/drawing/2010/main" w="9525">
+              <a14:hiddenLine xmlns:a14="http://schemas.microsoft.com/office/drawing/2010/main" xmlns="" w="9525">
                 <a:solidFill>
                   <a:srgbClr val="000000"/>
                 </a:solidFill>
@@ -5642,7 +5642,7 @@
           <a:p>
             <a:fld id="{3E1D827B-9946-4E0D-97BA-FFCB17A9AF00}" type="datetimeFigureOut">
               <a:rPr lang="ko-KR" altLang="en-US" smtClean="0"/>
-              <a:t>2023-11-22</a:t>
+              <a:t>2023-12-01</a:t>
             </a:fld>
             <a:endParaRPr lang="ko-KR" altLang="en-US"/>
           </a:p>
@@ -5799,7 +5799,7 @@
           <a:ln/>
           <a:extLst>
             <a:ext uri="{91240B29-F687-4f45-9708-019B960494DF}">
-              <a14:hiddenLine xmlns="" xmlns:a14="http://schemas.microsoft.com/office/drawing/2010/main" w="9525">
+              <a14:hiddenLine xmlns:a14="http://schemas.microsoft.com/office/drawing/2010/main" xmlns="" w="9525">
                 <a:solidFill>
                   <a:srgbClr val="000000"/>
                 </a:solidFill>
@@ -5927,7 +5927,7 @@
           <a:p>
             <a:fld id="{3E1D827B-9946-4E0D-97BA-FFCB17A9AF00}" type="datetimeFigureOut">
               <a:rPr lang="ko-KR" altLang="en-US" smtClean="0"/>
-              <a:t>2023-11-22</a:t>
+              <a:t>2023-12-01</a:t>
             </a:fld>
             <a:endParaRPr lang="ko-KR" altLang="en-US"/>
           </a:p>
@@ -6022,7 +6022,7 @@
           <a:p>
             <a:fld id="{3E1D827B-9946-4E0D-97BA-FFCB17A9AF00}" type="datetimeFigureOut">
               <a:rPr lang="ko-KR" altLang="en-US" smtClean="0"/>
-              <a:t>2023-11-22</a:t>
+              <a:t>2023-12-01</a:t>
             </a:fld>
             <a:endParaRPr lang="ko-KR" altLang="en-US"/>
           </a:p>
@@ -6247,7 +6247,7 @@
           <a:ln/>
           <a:extLst>
             <a:ext uri="{91240B29-F687-4f45-9708-019B960494DF}">
-              <a14:hiddenLine xmlns="" xmlns:a14="http://schemas.microsoft.com/office/drawing/2010/main" w="9525">
+              <a14:hiddenLine xmlns:a14="http://schemas.microsoft.com/office/drawing/2010/main" xmlns="" w="9525">
                 <a:solidFill>
                   <a:srgbClr val="000000"/>
                 </a:solidFill>
@@ -6375,7 +6375,7 @@
           <a:p>
             <a:fld id="{3E1D827B-9946-4E0D-97BA-FFCB17A9AF00}" type="datetimeFigureOut">
               <a:rPr lang="ko-KR" altLang="en-US" smtClean="0"/>
-              <a:t>2023-11-22</a:t>
+              <a:t>2023-12-01</a:t>
             </a:fld>
             <a:endParaRPr lang="ko-KR" altLang="en-US"/>
           </a:p>
@@ -6718,7 +6718,7 @@
           <a:p>
             <a:fld id="{3E1D827B-9946-4E0D-97BA-FFCB17A9AF00}" type="datetimeFigureOut">
               <a:rPr lang="ko-KR" altLang="en-US" smtClean="0"/>
-              <a:t>2023-11-22</a:t>
+              <a:t>2023-12-01</a:t>
             </a:fld>
             <a:endParaRPr lang="ko-KR" altLang="en-US"/>
           </a:p>
@@ -6873,7 +6873,7 @@
           <a:ln/>
           <a:extLst>
             <a:ext uri="{91240B29-F687-4f45-9708-019B960494DF}">
-              <a14:hiddenLine xmlns="" xmlns:a14="http://schemas.microsoft.com/office/drawing/2010/main" w="9525">
+              <a14:hiddenLine xmlns:a14="http://schemas.microsoft.com/office/drawing/2010/main" xmlns="" w="9525">
                 <a:solidFill>
                   <a:srgbClr val="000000"/>
                 </a:solidFill>
@@ -7057,7 +7057,7 @@
           <a:p>
             <a:fld id="{3E1D827B-9946-4E0D-97BA-FFCB17A9AF00}" type="datetimeFigureOut">
               <a:rPr lang="ko-KR" altLang="en-US" smtClean="0"/>
-              <a:t>2023-11-22</a:t>
+              <a:t>2023-12-01</a:t>
             </a:fld>
             <a:endParaRPr lang="ko-KR" altLang="en-US"/>
           </a:p>
@@ -7217,7 +7217,7 @@
           <a:ln/>
           <a:extLst>
             <a:ext uri="{91240B29-F687-4f45-9708-019B960494DF}">
-              <a14:hiddenLine xmlns="" xmlns:a14="http://schemas.microsoft.com/office/drawing/2010/main" w="9525">
+              <a14:hiddenLine xmlns:a14="http://schemas.microsoft.com/office/drawing/2010/main" xmlns="" w="9525">
                 <a:solidFill>
                   <a:srgbClr val="000000"/>
                 </a:solidFill>
@@ -7539,7 +7539,7 @@
           <a:p>
             <a:fld id="{3E1D827B-9946-4E0D-97BA-FFCB17A9AF00}" type="datetimeFigureOut">
               <a:rPr lang="ko-KR" altLang="en-US" smtClean="0"/>
-              <a:t>2023-11-22</a:t>
+              <a:t>2023-12-01</a:t>
             </a:fld>
             <a:endParaRPr lang="ko-KR" altLang="en-US"/>
           </a:p>
@@ -7699,7 +7699,7 @@
           <a:ln/>
           <a:extLst>
             <a:ext uri="{91240B29-F687-4f45-9708-019B960494DF}">
-              <a14:hiddenLine xmlns="" xmlns:a14="http://schemas.microsoft.com/office/drawing/2010/main" w="9525">
+              <a14:hiddenLine xmlns:a14="http://schemas.microsoft.com/office/drawing/2010/main" xmlns="" w="9525">
                 <a:solidFill>
                   <a:srgbClr val="000000"/>
                 </a:solidFill>
@@ -7765,7 +7765,7 @@
           <a:p>
             <a:fld id="{3E1D827B-9946-4E0D-97BA-FFCB17A9AF00}" type="datetimeFigureOut">
               <a:rPr lang="ko-KR" altLang="en-US" smtClean="0"/>
-              <a:t>2023-11-22</a:t>
+              <a:t>2023-12-01</a:t>
             </a:fld>
             <a:endParaRPr lang="ko-KR" altLang="en-US"/>
           </a:p>
@@ -7860,7 +7860,7 @@
           <a:p>
             <a:fld id="{3E1D827B-9946-4E0D-97BA-FFCB17A9AF00}" type="datetimeFigureOut">
               <a:rPr lang="ko-KR" altLang="en-US" smtClean="0"/>
-              <a:t>2023-11-22</a:t>
+              <a:t>2023-12-01</a:t>
             </a:fld>
             <a:endParaRPr lang="ko-KR" altLang="en-US"/>
           </a:p>
@@ -8128,7 +8128,7 @@
           <a:ln/>
           <a:extLst>
             <a:ext uri="{91240B29-F687-4f45-9708-019B960494DF}">
-              <a14:hiddenLine xmlns="" xmlns:a14="http://schemas.microsoft.com/office/drawing/2010/main" w="9525">
+              <a14:hiddenLine xmlns:a14="http://schemas.microsoft.com/office/drawing/2010/main" xmlns="" w="9525">
                 <a:solidFill>
                   <a:srgbClr val="000000"/>
                 </a:solidFill>
@@ -8327,7 +8327,7 @@
           <a:p>
             <a:fld id="{3E1D827B-9946-4E0D-97BA-FFCB17A9AF00}" type="datetimeFigureOut">
               <a:rPr lang="ko-KR" altLang="en-US" smtClean="0"/>
-              <a:t>2023-11-22</a:t>
+              <a:t>2023-12-01</a:t>
             </a:fld>
             <a:endParaRPr lang="ko-KR" altLang="en-US"/>
           </a:p>
@@ -8645,7 +8645,7 @@
           <a:p>
             <a:fld id="{3E1D827B-9946-4E0D-97BA-FFCB17A9AF00}" type="datetimeFigureOut">
               <a:rPr lang="ko-KR" altLang="en-US" smtClean="0"/>
-              <a:t>2023-11-22</a:t>
+              <a:t>2023-12-01</a:t>
             </a:fld>
             <a:endParaRPr lang="ko-KR" altLang="en-US"/>
           </a:p>
@@ -8915,7 +8915,7 @@
           <a:p>
             <a:fld id="{3E1D827B-9946-4E0D-97BA-FFCB17A9AF00}" type="datetimeFigureOut">
               <a:rPr lang="ko-KR" altLang="en-US" smtClean="0"/>
-              <a:t>2023-11-22</a:t>
+              <a:t>2023-12-01</a:t>
             </a:fld>
             <a:endParaRPr lang="ko-KR" altLang="en-US"/>
           </a:p>
@@ -9547,10 +9547,10 @@
       </p:sp>
       <p:grpSp>
         <p:nvGrpSpPr>
-          <p:cNvPr id="67" name="그룹 66">
+          <p:cNvPr id="5" name="그룹 4">
             <a:extLst>
               <a:ext uri="{FF2B5EF4-FFF2-40B4-BE49-F238E27FC236}">
-                <a16:creationId xmlns:a16="http://schemas.microsoft.com/office/drawing/2014/main" id="{B6B09448-D5AE-4855-7352-C665D9C6CBCE}"/>
+                <a16:creationId xmlns:a16="http://schemas.microsoft.com/office/drawing/2014/main" id="{547019EC-515A-5874-91EA-8B680832BCA4}"/>
               </a:ext>
             </a:extLst>
           </p:cNvPr>

--- a/DsDotNet/src/UnitTest/UnitTest.Model/ImportOfficeExample/Sample/Lib/Conveyor/CV.pptx
+++ b/DsDotNet/src/UnitTest/UnitTest.Model/ImportOfficeExample/Sample/Lib/Conveyor/CV.pptx
@@ -4194,7 +4194,7 @@
           <a:p>
             <a:fld id="{3E1D827B-9946-4E0D-97BA-FFCB17A9AF00}" type="datetimeFigureOut">
               <a:rPr lang="ko-KR" altLang="en-US" smtClean="0"/>
-              <a:t>2023-12-01</a:t>
+              <a:t>2023-12-28</a:t>
             </a:fld>
             <a:endParaRPr lang="ko-KR" altLang="en-US"/>
           </a:p>
@@ -4512,7 +4512,7 @@
           <a:p>
             <a:fld id="{3E1D827B-9946-4E0D-97BA-FFCB17A9AF00}" type="datetimeFigureOut">
               <a:rPr lang="ko-KR" altLang="en-US" smtClean="0"/>
-              <a:t>2023-12-01</a:t>
+              <a:t>2023-12-28</a:t>
             </a:fld>
             <a:endParaRPr lang="ko-KR" altLang="en-US"/>
           </a:p>
@@ -5000,7 +5000,7 @@
           <a:p>
             <a:fld id="{3E1D827B-9946-4E0D-97BA-FFCB17A9AF00}" type="datetimeFigureOut">
               <a:rPr lang="ko-KR" altLang="en-US" smtClean="0"/>
-              <a:t>2023-12-01</a:t>
+              <a:t>2023-12-28</a:t>
             </a:fld>
             <a:endParaRPr lang="ko-KR" altLang="en-US"/>
           </a:p>
@@ -5369,7 +5369,7 @@
           <a:p>
             <a:fld id="{3E1D827B-9946-4E0D-97BA-FFCB17A9AF00}" type="datetimeFigureOut">
               <a:rPr lang="ko-KR" altLang="en-US" smtClean="0"/>
-              <a:t>2023-12-01</a:t>
+              <a:t>2023-12-28</a:t>
             </a:fld>
             <a:endParaRPr lang="ko-KR" altLang="en-US"/>
           </a:p>
@@ -5642,7 +5642,7 @@
           <a:p>
             <a:fld id="{3E1D827B-9946-4E0D-97BA-FFCB17A9AF00}" type="datetimeFigureOut">
               <a:rPr lang="ko-KR" altLang="en-US" smtClean="0"/>
-              <a:t>2023-12-01</a:t>
+              <a:t>2023-12-28</a:t>
             </a:fld>
             <a:endParaRPr lang="ko-KR" altLang="en-US"/>
           </a:p>
@@ -5927,7 +5927,7 @@
           <a:p>
             <a:fld id="{3E1D827B-9946-4E0D-97BA-FFCB17A9AF00}" type="datetimeFigureOut">
               <a:rPr lang="ko-KR" altLang="en-US" smtClean="0"/>
-              <a:t>2023-12-01</a:t>
+              <a:t>2023-12-28</a:t>
             </a:fld>
             <a:endParaRPr lang="ko-KR" altLang="en-US"/>
           </a:p>
@@ -6022,7 +6022,7 @@
           <a:p>
             <a:fld id="{3E1D827B-9946-4E0D-97BA-FFCB17A9AF00}" type="datetimeFigureOut">
               <a:rPr lang="ko-KR" altLang="en-US" smtClean="0"/>
-              <a:t>2023-12-01</a:t>
+              <a:t>2023-12-28</a:t>
             </a:fld>
             <a:endParaRPr lang="ko-KR" altLang="en-US"/>
           </a:p>
@@ -6375,7 +6375,7 @@
           <a:p>
             <a:fld id="{3E1D827B-9946-4E0D-97BA-FFCB17A9AF00}" type="datetimeFigureOut">
               <a:rPr lang="ko-KR" altLang="en-US" smtClean="0"/>
-              <a:t>2023-12-01</a:t>
+              <a:t>2023-12-28</a:t>
             </a:fld>
             <a:endParaRPr lang="ko-KR" altLang="en-US"/>
           </a:p>
@@ -6718,7 +6718,7 @@
           <a:p>
             <a:fld id="{3E1D827B-9946-4E0D-97BA-FFCB17A9AF00}" type="datetimeFigureOut">
               <a:rPr lang="ko-KR" altLang="en-US" smtClean="0"/>
-              <a:t>2023-12-01</a:t>
+              <a:t>2023-12-28</a:t>
             </a:fld>
             <a:endParaRPr lang="ko-KR" altLang="en-US"/>
           </a:p>
@@ -7057,7 +7057,7 @@
           <a:p>
             <a:fld id="{3E1D827B-9946-4E0D-97BA-FFCB17A9AF00}" type="datetimeFigureOut">
               <a:rPr lang="ko-KR" altLang="en-US" smtClean="0"/>
-              <a:t>2023-12-01</a:t>
+              <a:t>2023-12-28</a:t>
             </a:fld>
             <a:endParaRPr lang="ko-KR" altLang="en-US"/>
           </a:p>
@@ -7539,7 +7539,7 @@
           <a:p>
             <a:fld id="{3E1D827B-9946-4E0D-97BA-FFCB17A9AF00}" type="datetimeFigureOut">
               <a:rPr lang="ko-KR" altLang="en-US" smtClean="0"/>
-              <a:t>2023-12-01</a:t>
+              <a:t>2023-12-28</a:t>
             </a:fld>
             <a:endParaRPr lang="ko-KR" altLang="en-US"/>
           </a:p>
@@ -7765,7 +7765,7 @@
           <a:p>
             <a:fld id="{3E1D827B-9946-4E0D-97BA-FFCB17A9AF00}" type="datetimeFigureOut">
               <a:rPr lang="ko-KR" altLang="en-US" smtClean="0"/>
-              <a:t>2023-12-01</a:t>
+              <a:t>2023-12-28</a:t>
             </a:fld>
             <a:endParaRPr lang="ko-KR" altLang="en-US"/>
           </a:p>
@@ -7860,7 +7860,7 @@
           <a:p>
             <a:fld id="{3E1D827B-9946-4E0D-97BA-FFCB17A9AF00}" type="datetimeFigureOut">
               <a:rPr lang="ko-KR" altLang="en-US" smtClean="0"/>
-              <a:t>2023-12-01</a:t>
+              <a:t>2023-12-28</a:t>
             </a:fld>
             <a:endParaRPr lang="ko-KR" altLang="en-US"/>
           </a:p>
@@ -8327,7 +8327,7 @@
           <a:p>
             <a:fld id="{3E1D827B-9946-4E0D-97BA-FFCB17A9AF00}" type="datetimeFigureOut">
               <a:rPr lang="ko-KR" altLang="en-US" smtClean="0"/>
-              <a:t>2023-12-01</a:t>
+              <a:t>2023-12-28</a:t>
             </a:fld>
             <a:endParaRPr lang="ko-KR" altLang="en-US"/>
           </a:p>
@@ -8645,7 +8645,7 @@
           <a:p>
             <a:fld id="{3E1D827B-9946-4E0D-97BA-FFCB17A9AF00}" type="datetimeFigureOut">
               <a:rPr lang="ko-KR" altLang="en-US" smtClean="0"/>
-              <a:t>2023-12-01</a:t>
+              <a:t>2023-12-28</a:t>
             </a:fld>
             <a:endParaRPr lang="ko-KR" altLang="en-US"/>
           </a:p>
@@ -8915,7 +8915,7 @@
           <a:p>
             <a:fld id="{3E1D827B-9946-4E0D-97BA-FFCB17A9AF00}" type="datetimeFigureOut">
               <a:rPr lang="ko-KR" altLang="en-US" smtClean="0"/>
-              <a:t>2023-12-01</a:t>
+              <a:t>2023-12-28</a:t>
             </a:fld>
             <a:endParaRPr lang="ko-KR" altLang="en-US"/>
           </a:p>
@@ -9545,322 +9545,6 @@
           </a:p>
         </p:txBody>
       </p:sp>
-      <p:grpSp>
-        <p:nvGrpSpPr>
-          <p:cNvPr id="5" name="그룹 4">
-            <a:extLst>
-              <a:ext uri="{FF2B5EF4-FFF2-40B4-BE49-F238E27FC236}">
-                <a16:creationId xmlns:a16="http://schemas.microsoft.com/office/drawing/2014/main" id="{547019EC-515A-5874-91EA-8B680832BCA4}"/>
-              </a:ext>
-            </a:extLst>
-          </p:cNvPr>
-          <p:cNvGrpSpPr/>
-          <p:nvPr/>
-        </p:nvGrpSpPr>
-        <p:grpSpPr>
-          <a:xfrm>
-            <a:off x="8121651" y="473456"/>
-            <a:ext cx="3506270" cy="2204652"/>
-            <a:chOff x="8121651" y="473456"/>
-            <a:chExt cx="3506270" cy="2204652"/>
-          </a:xfrm>
-        </p:grpSpPr>
-        <p:pic>
-          <p:nvPicPr>
-            <p:cNvPr id="68" name="그림 67">
-              <a:extLst>
-                <a:ext uri="{FF2B5EF4-FFF2-40B4-BE49-F238E27FC236}">
-                  <a16:creationId xmlns:a16="http://schemas.microsoft.com/office/drawing/2014/main" id="{7E71F807-4080-F13D-F343-658031E68747}"/>
-                </a:ext>
-              </a:extLst>
-            </p:cNvPr>
-            <p:cNvPicPr>
-              <a:picLocks noChangeAspect="1"/>
-            </p:cNvPicPr>
-            <p:nvPr/>
-          </p:nvPicPr>
-          <p:blipFill>
-            <a:blip r:embed="rId2"/>
-            <a:stretch>
-              <a:fillRect/>
-            </a:stretch>
-          </p:blipFill>
-          <p:spPr>
-            <a:xfrm>
-              <a:off x="8121651" y="473456"/>
-              <a:ext cx="3506270" cy="2204652"/>
-            </a:xfrm>
-            <a:prstGeom prst="rect">
-              <a:avLst/>
-            </a:prstGeom>
-          </p:spPr>
-        </p:pic>
-        <p:sp>
-          <p:nvSpPr>
-            <p:cNvPr id="69" name="TextBox 68">
-              <a:extLst>
-                <a:ext uri="{FF2B5EF4-FFF2-40B4-BE49-F238E27FC236}">
-                  <a16:creationId xmlns:a16="http://schemas.microsoft.com/office/drawing/2014/main" id="{A59803F8-2C99-A339-936B-7BCFC28FC1A1}"/>
-                </a:ext>
-              </a:extLst>
-            </p:cNvPr>
-            <p:cNvSpPr txBox="1"/>
-            <p:nvPr/>
-          </p:nvSpPr>
-          <p:spPr>
-            <a:xfrm>
-              <a:off x="8721902" y="629917"/>
-              <a:ext cx="1241420" cy="215444"/>
-            </a:xfrm>
-            <a:prstGeom prst="rect">
-              <a:avLst/>
-            </a:prstGeom>
-            <a:noFill/>
-          </p:spPr>
-          <p:txBody>
-            <a:bodyPr wrap="square">
-              <a:spAutoFit/>
-            </a:bodyPr>
-            <a:lstStyle/>
-            <a:p>
-              <a:pPr algn="ctr"/>
-              <a:r>
-                <a:rPr lang="en-US" altLang="ko-KR" sz="800" dirty="0"/>
-                <a:t>Robot X-</a:t>
-              </a:r>
-              <a:endParaRPr lang="ko-KR" altLang="en-US" sz="800" dirty="0"/>
-            </a:p>
-          </p:txBody>
-        </p:sp>
-        <p:sp>
-          <p:nvSpPr>
-            <p:cNvPr id="70" name="TextBox 69">
-              <a:extLst>
-                <a:ext uri="{FF2B5EF4-FFF2-40B4-BE49-F238E27FC236}">
-                  <a16:creationId xmlns:a16="http://schemas.microsoft.com/office/drawing/2014/main" id="{49F4D723-CBE7-3925-B631-A256BB593DE6}"/>
-                </a:ext>
-              </a:extLst>
-            </p:cNvPr>
-            <p:cNvSpPr txBox="1"/>
-            <p:nvPr/>
-          </p:nvSpPr>
-          <p:spPr>
-            <a:xfrm>
-              <a:off x="9157424" y="1146913"/>
-              <a:ext cx="599844" cy="492443"/>
-            </a:xfrm>
-            <a:prstGeom prst="rect">
-              <a:avLst/>
-            </a:prstGeom>
-            <a:noFill/>
-          </p:spPr>
-          <p:txBody>
-            <a:bodyPr wrap="none" rtlCol="0">
-              <a:spAutoFit/>
-            </a:bodyPr>
-            <a:lstStyle/>
-            <a:p>
-              <a:r>
-                <a:rPr lang="en-US" altLang="ko-KR" sz="800" dirty="0"/>
-                <a:t>Robot Z-</a:t>
-              </a:r>
-              <a:endParaRPr lang="ko-KR" altLang="en-US" sz="800" dirty="0"/>
-            </a:p>
-            <a:p>
-              <a:endParaRPr lang="ko-KR" altLang="en-US" dirty="0"/>
-            </a:p>
-          </p:txBody>
-        </p:sp>
-        <p:sp>
-          <p:nvSpPr>
-            <p:cNvPr id="71" name="TextBox 70">
-              <a:extLst>
-                <a:ext uri="{FF2B5EF4-FFF2-40B4-BE49-F238E27FC236}">
-                  <a16:creationId xmlns:a16="http://schemas.microsoft.com/office/drawing/2014/main" id="{F9AE9F58-88A2-2293-83DC-8789E93AC1F9}"/>
-                </a:ext>
-              </a:extLst>
-            </p:cNvPr>
-            <p:cNvSpPr txBox="1"/>
-            <p:nvPr/>
-          </p:nvSpPr>
-          <p:spPr>
-            <a:xfrm>
-              <a:off x="9343243" y="1575782"/>
-              <a:ext cx="628698" cy="492443"/>
-            </a:xfrm>
-            <a:prstGeom prst="rect">
-              <a:avLst/>
-            </a:prstGeom>
-            <a:noFill/>
-          </p:spPr>
-          <p:txBody>
-            <a:bodyPr wrap="none" rtlCol="0">
-              <a:spAutoFit/>
-            </a:bodyPr>
-            <a:lstStyle/>
-            <a:p>
-              <a:r>
-                <a:rPr lang="en-US" altLang="ko-KR" sz="800" dirty="0"/>
-                <a:t>Robot Z+</a:t>
-              </a:r>
-              <a:endParaRPr lang="ko-KR" altLang="en-US" sz="800" dirty="0"/>
-            </a:p>
-            <a:p>
-              <a:endParaRPr lang="ko-KR" altLang="en-US" dirty="0"/>
-            </a:p>
-          </p:txBody>
-        </p:sp>
-        <p:sp>
-          <p:nvSpPr>
-            <p:cNvPr id="72" name="TextBox 71">
-              <a:extLst>
-                <a:ext uri="{FF2B5EF4-FFF2-40B4-BE49-F238E27FC236}">
-                  <a16:creationId xmlns:a16="http://schemas.microsoft.com/office/drawing/2014/main" id="{82E49B04-914C-3F39-E0C0-F01ADEECCFFD}"/>
-                </a:ext>
-              </a:extLst>
-            </p:cNvPr>
-            <p:cNvSpPr txBox="1"/>
-            <p:nvPr/>
-          </p:nvSpPr>
-          <p:spPr>
-            <a:xfrm>
-              <a:off x="9963322" y="845361"/>
-              <a:ext cx="641522" cy="461665"/>
-            </a:xfrm>
-            <a:prstGeom prst="rect">
-              <a:avLst/>
-            </a:prstGeom>
-            <a:noFill/>
-          </p:spPr>
-          <p:txBody>
-            <a:bodyPr wrap="none" rtlCol="0">
-              <a:spAutoFit/>
-            </a:bodyPr>
-            <a:lstStyle/>
-            <a:p>
-              <a:r>
-                <a:rPr lang="en-US" altLang="ko-KR" sz="800" dirty="0"/>
-                <a:t>Robot X+</a:t>
-              </a:r>
-              <a:endParaRPr lang="ko-KR" altLang="en-US" sz="800" dirty="0"/>
-            </a:p>
-            <a:p>
-              <a:endParaRPr lang="ko-KR" altLang="en-US" sz="800" dirty="0"/>
-            </a:p>
-            <a:p>
-              <a:endParaRPr lang="ko-KR" altLang="en-US" sz="800" dirty="0"/>
-            </a:p>
-          </p:txBody>
-        </p:sp>
-        <p:sp>
-          <p:nvSpPr>
-            <p:cNvPr id="73" name="TextBox 72">
-              <a:extLst>
-                <a:ext uri="{FF2B5EF4-FFF2-40B4-BE49-F238E27FC236}">
-                  <a16:creationId xmlns:a16="http://schemas.microsoft.com/office/drawing/2014/main" id="{ABAE4FF5-FA84-059B-339F-99E8CF030A94}"/>
-                </a:ext>
-              </a:extLst>
-            </p:cNvPr>
-            <p:cNvSpPr txBox="1"/>
-            <p:nvPr/>
-          </p:nvSpPr>
-          <p:spPr>
-            <a:xfrm>
-              <a:off x="9147332" y="1254622"/>
-              <a:ext cx="1068905" cy="369332"/>
-            </a:xfrm>
-            <a:prstGeom prst="rect">
-              <a:avLst/>
-            </a:prstGeom>
-            <a:noFill/>
-          </p:spPr>
-          <p:txBody>
-            <a:bodyPr wrap="square" rtlCol="0">
-              <a:spAutoFit/>
-            </a:bodyPr>
-            <a:lstStyle/>
-            <a:p>
-              <a:r>
-                <a:rPr lang="en-US" altLang="ko-KR" dirty="0"/>
-                <a:t>MAIN</a:t>
-              </a:r>
-              <a:endParaRPr lang="ko-KR" altLang="en-US" dirty="0"/>
-            </a:p>
-          </p:txBody>
-        </p:sp>
-        <p:sp>
-          <p:nvSpPr>
-            <p:cNvPr id="74" name="TextBox 73">
-              <a:extLst>
-                <a:ext uri="{FF2B5EF4-FFF2-40B4-BE49-F238E27FC236}">
-                  <a16:creationId xmlns:a16="http://schemas.microsoft.com/office/drawing/2014/main" id="{D05C0B34-CFF0-5B0B-08CE-7B97E58E0420}"/>
-                </a:ext>
-              </a:extLst>
-            </p:cNvPr>
-            <p:cNvSpPr txBox="1"/>
-            <p:nvPr/>
-          </p:nvSpPr>
-          <p:spPr>
-            <a:xfrm>
-              <a:off x="9773862" y="832431"/>
-              <a:ext cx="1068905" cy="369332"/>
-            </a:xfrm>
-            <a:prstGeom prst="rect">
-              <a:avLst/>
-            </a:prstGeom>
-            <a:noFill/>
-          </p:spPr>
-          <p:txBody>
-            <a:bodyPr wrap="square" rtlCol="0">
-              <a:spAutoFit/>
-            </a:bodyPr>
-            <a:lstStyle/>
-            <a:p>
-              <a:r>
-                <a:rPr lang="en-US" altLang="ko-KR" dirty="0"/>
-                <a:t>Sub</a:t>
-              </a:r>
-              <a:endParaRPr lang="ko-KR" altLang="en-US" dirty="0"/>
-            </a:p>
-          </p:txBody>
-        </p:sp>
-        <p:sp>
-          <p:nvSpPr>
-            <p:cNvPr id="75" name="TextBox 74">
-              <a:extLst>
-                <a:ext uri="{FF2B5EF4-FFF2-40B4-BE49-F238E27FC236}">
-                  <a16:creationId xmlns:a16="http://schemas.microsoft.com/office/drawing/2014/main" id="{34DF2A4C-E15E-6CBC-6EB8-2EF43E465FA9}"/>
-                </a:ext>
-              </a:extLst>
-            </p:cNvPr>
-            <p:cNvSpPr txBox="1"/>
-            <p:nvPr/>
-          </p:nvSpPr>
-          <p:spPr>
-            <a:xfrm>
-              <a:off x="10224534" y="1354982"/>
-              <a:ext cx="1068905" cy="369332"/>
-            </a:xfrm>
-            <a:prstGeom prst="rect">
-              <a:avLst/>
-            </a:prstGeom>
-            <a:noFill/>
-          </p:spPr>
-          <p:txBody>
-            <a:bodyPr wrap="square" rtlCol="0">
-              <a:spAutoFit/>
-            </a:bodyPr>
-            <a:lstStyle/>
-            <a:p>
-              <a:r>
-                <a:rPr lang="en-US" altLang="ko-KR" dirty="0"/>
-                <a:t>Assy</a:t>
-              </a:r>
-              <a:endParaRPr lang="ko-KR" altLang="en-US" dirty="0"/>
-            </a:p>
-          </p:txBody>
-        </p:sp>
-      </p:grpSp>
       <p:sp>
         <p:nvSpPr>
           <p:cNvPr id="10" name="직사각형 9">
@@ -9875,7 +9559,7 @@
         </p:nvSpPr>
         <p:spPr>
           <a:xfrm>
-            <a:off x="3805694" y="4955796"/>
+            <a:off x="4901069" y="5441571"/>
             <a:ext cx="1476709" cy="592469"/>
           </a:xfrm>
           <a:prstGeom prst="rect">
@@ -9924,7 +9608,7 @@
         </p:nvSpPr>
         <p:spPr>
           <a:xfrm>
-            <a:off x="5282403" y="2139735"/>
+            <a:off x="6530178" y="2663610"/>
             <a:ext cx="1444314" cy="592469"/>
           </a:xfrm>
           <a:prstGeom prst="rect">
@@ -10039,8 +9723,8 @@
         </p:nvCxnSpPr>
         <p:spPr>
           <a:xfrm flipH="1">
-            <a:off x="4544049" y="2732204"/>
-            <a:ext cx="1460511" cy="2223592"/>
+            <a:off x="5639424" y="3256079"/>
+            <a:ext cx="1612911" cy="2185492"/>
           </a:xfrm>
           <a:prstGeom prst="straightConnector1">
             <a:avLst/>

--- a/DsDotNet/src/UnitTest/UnitTest.Model/ImportOfficeExample/Sample/Lib/Conveyor/CV.pptx
+++ b/DsDotNet/src/UnitTest/UnitTest.Model/ImportOfficeExample/Sample/Lib/Conveyor/CV.pptx
@@ -4194,7 +4194,7 @@
           <a:p>
             <a:fld id="{3E1D827B-9946-4E0D-97BA-FFCB17A9AF00}" type="datetimeFigureOut">
               <a:rPr lang="ko-KR" altLang="en-US" smtClean="0"/>
-              <a:t>2023-12-28</a:t>
+              <a:t>2024-02-07</a:t>
             </a:fld>
             <a:endParaRPr lang="ko-KR" altLang="en-US"/>
           </a:p>
@@ -4512,7 +4512,7 @@
           <a:p>
             <a:fld id="{3E1D827B-9946-4E0D-97BA-FFCB17A9AF00}" type="datetimeFigureOut">
               <a:rPr lang="ko-KR" altLang="en-US" smtClean="0"/>
-              <a:t>2023-12-28</a:t>
+              <a:t>2024-02-07</a:t>
             </a:fld>
             <a:endParaRPr lang="ko-KR" altLang="en-US"/>
           </a:p>
@@ -5000,7 +5000,7 @@
           <a:p>
             <a:fld id="{3E1D827B-9946-4E0D-97BA-FFCB17A9AF00}" type="datetimeFigureOut">
               <a:rPr lang="ko-KR" altLang="en-US" smtClean="0"/>
-              <a:t>2023-12-28</a:t>
+              <a:t>2024-02-07</a:t>
             </a:fld>
             <a:endParaRPr lang="ko-KR" altLang="en-US"/>
           </a:p>
@@ -5369,7 +5369,7 @@
           <a:p>
             <a:fld id="{3E1D827B-9946-4E0D-97BA-FFCB17A9AF00}" type="datetimeFigureOut">
               <a:rPr lang="ko-KR" altLang="en-US" smtClean="0"/>
-              <a:t>2023-12-28</a:t>
+              <a:t>2024-02-07</a:t>
             </a:fld>
             <a:endParaRPr lang="ko-KR" altLang="en-US"/>
           </a:p>
@@ -5642,7 +5642,7 @@
           <a:p>
             <a:fld id="{3E1D827B-9946-4E0D-97BA-FFCB17A9AF00}" type="datetimeFigureOut">
               <a:rPr lang="ko-KR" altLang="en-US" smtClean="0"/>
-              <a:t>2023-12-28</a:t>
+              <a:t>2024-02-07</a:t>
             </a:fld>
             <a:endParaRPr lang="ko-KR" altLang="en-US"/>
           </a:p>
@@ -5927,7 +5927,7 @@
           <a:p>
             <a:fld id="{3E1D827B-9946-4E0D-97BA-FFCB17A9AF00}" type="datetimeFigureOut">
               <a:rPr lang="ko-KR" altLang="en-US" smtClean="0"/>
-              <a:t>2023-12-28</a:t>
+              <a:t>2024-02-07</a:t>
             </a:fld>
             <a:endParaRPr lang="ko-KR" altLang="en-US"/>
           </a:p>
@@ -6022,7 +6022,7 @@
           <a:p>
             <a:fld id="{3E1D827B-9946-4E0D-97BA-FFCB17A9AF00}" type="datetimeFigureOut">
               <a:rPr lang="ko-KR" altLang="en-US" smtClean="0"/>
-              <a:t>2023-12-28</a:t>
+              <a:t>2024-02-07</a:t>
             </a:fld>
             <a:endParaRPr lang="ko-KR" altLang="en-US"/>
           </a:p>
@@ -6375,7 +6375,7 @@
           <a:p>
             <a:fld id="{3E1D827B-9946-4E0D-97BA-FFCB17A9AF00}" type="datetimeFigureOut">
               <a:rPr lang="ko-KR" altLang="en-US" smtClean="0"/>
-              <a:t>2023-12-28</a:t>
+              <a:t>2024-02-07</a:t>
             </a:fld>
             <a:endParaRPr lang="ko-KR" altLang="en-US"/>
           </a:p>
@@ -6718,7 +6718,7 @@
           <a:p>
             <a:fld id="{3E1D827B-9946-4E0D-97BA-FFCB17A9AF00}" type="datetimeFigureOut">
               <a:rPr lang="ko-KR" altLang="en-US" smtClean="0"/>
-              <a:t>2023-12-28</a:t>
+              <a:t>2024-02-07</a:t>
             </a:fld>
             <a:endParaRPr lang="ko-KR" altLang="en-US"/>
           </a:p>
@@ -7057,7 +7057,7 @@
           <a:p>
             <a:fld id="{3E1D827B-9946-4E0D-97BA-FFCB17A9AF00}" type="datetimeFigureOut">
               <a:rPr lang="ko-KR" altLang="en-US" smtClean="0"/>
-              <a:t>2023-12-28</a:t>
+              <a:t>2024-02-07</a:t>
             </a:fld>
             <a:endParaRPr lang="ko-KR" altLang="en-US"/>
           </a:p>
@@ -7539,7 +7539,7 @@
           <a:p>
             <a:fld id="{3E1D827B-9946-4E0D-97BA-FFCB17A9AF00}" type="datetimeFigureOut">
               <a:rPr lang="ko-KR" altLang="en-US" smtClean="0"/>
-              <a:t>2023-12-28</a:t>
+              <a:t>2024-02-07</a:t>
             </a:fld>
             <a:endParaRPr lang="ko-KR" altLang="en-US"/>
           </a:p>
@@ -7765,7 +7765,7 @@
           <a:p>
             <a:fld id="{3E1D827B-9946-4E0D-97BA-FFCB17A9AF00}" type="datetimeFigureOut">
               <a:rPr lang="ko-KR" altLang="en-US" smtClean="0"/>
-              <a:t>2023-12-28</a:t>
+              <a:t>2024-02-07</a:t>
             </a:fld>
             <a:endParaRPr lang="ko-KR" altLang="en-US"/>
           </a:p>
@@ -7860,7 +7860,7 @@
           <a:p>
             <a:fld id="{3E1D827B-9946-4E0D-97BA-FFCB17A9AF00}" type="datetimeFigureOut">
               <a:rPr lang="ko-KR" altLang="en-US" smtClean="0"/>
-              <a:t>2023-12-28</a:t>
+              <a:t>2024-02-07</a:t>
             </a:fld>
             <a:endParaRPr lang="ko-KR" altLang="en-US"/>
           </a:p>
@@ -8327,7 +8327,7 @@
           <a:p>
             <a:fld id="{3E1D827B-9946-4E0D-97BA-FFCB17A9AF00}" type="datetimeFigureOut">
               <a:rPr lang="ko-KR" altLang="en-US" smtClean="0"/>
-              <a:t>2023-12-28</a:t>
+              <a:t>2024-02-07</a:t>
             </a:fld>
             <a:endParaRPr lang="ko-KR" altLang="en-US"/>
           </a:p>
@@ -8645,7 +8645,7 @@
           <a:p>
             <a:fld id="{3E1D827B-9946-4E0D-97BA-FFCB17A9AF00}" type="datetimeFigureOut">
               <a:rPr lang="ko-KR" altLang="en-US" smtClean="0"/>
-              <a:t>2023-12-28</a:t>
+              <a:t>2024-02-07</a:t>
             </a:fld>
             <a:endParaRPr lang="ko-KR" altLang="en-US"/>
           </a:p>
@@ -8915,7 +8915,7 @@
           <a:p>
             <a:fld id="{3E1D827B-9946-4E0D-97BA-FFCB17A9AF00}" type="datetimeFigureOut">
               <a:rPr lang="ko-KR" altLang="en-US" smtClean="0"/>
-              <a:t>2023-12-28</a:t>
+              <a:t>2024-02-07</a:t>
             </a:fld>
             <a:endParaRPr lang="ko-KR" altLang="en-US"/>
           </a:p>
@@ -9559,7 +9559,7 @@
         </p:nvSpPr>
         <p:spPr>
           <a:xfrm>
-            <a:off x="4901069" y="5441571"/>
+            <a:off x="4397730" y="4864060"/>
             <a:ext cx="1476709" cy="592469"/>
           </a:xfrm>
           <a:prstGeom prst="rect">
@@ -9608,7 +9608,7 @@
         </p:nvSpPr>
         <p:spPr>
           <a:xfrm>
-            <a:off x="6530178" y="2663610"/>
+            <a:off x="5942948" y="2982391"/>
             <a:ext cx="1444314" cy="592469"/>
           </a:xfrm>
           <a:prstGeom prst="rect">
@@ -9637,7 +9637,7 @@
           <a:p>
             <a:pPr algn="ctr"/>
             <a:r>
-              <a:rPr lang="en-US" altLang="ko-KR" sz="1800" dirty="0"/>
+              <a:rPr lang="en-US" altLang="ko-KR" sz="1800" u="sng" dirty="0"/>
               <a:t>REMOVE</a:t>
             </a:r>
           </a:p>
@@ -9707,32 +9707,36 @@
       </p:sp>
       <p:cxnSp>
         <p:nvCxnSpPr>
-          <p:cNvPr id="6" name="직선 화살표 연결선 5">
+          <p:cNvPr id="9" name="연결선: 꺾임 8">
             <a:extLst>
               <a:ext uri="{FF2B5EF4-FFF2-40B4-BE49-F238E27FC236}">
-                <a16:creationId xmlns:a16="http://schemas.microsoft.com/office/drawing/2014/main" id="{F437FB53-6288-1662-A940-1B5A6F038CB9}"/>
+                <a16:creationId xmlns:a16="http://schemas.microsoft.com/office/drawing/2014/main" id="{54E9214B-BE34-5C0D-2077-C6E35BF1B0DA}"/>
               </a:ext>
             </a:extLst>
           </p:cNvPr>
           <p:cNvCxnSpPr>
             <a:cxnSpLocks/>
-            <a:stCxn id="14" idx="2"/>
-            <a:endCxn id="10" idx="0"/>
+            <a:stCxn id="14" idx="3"/>
+            <a:endCxn id="10" idx="1"/>
           </p:cNvCxnSpPr>
           <p:nvPr/>
         </p:nvCxnSpPr>
         <p:spPr>
           <a:xfrm flipH="1">
-            <a:off x="5639424" y="3256079"/>
-            <a:ext cx="1612911" cy="2185492"/>
+            <a:off x="4397730" y="3278626"/>
+            <a:ext cx="2989532" cy="1881669"/>
           </a:xfrm>
-          <a:prstGeom prst="straightConnector1">
-            <a:avLst/>
+          <a:prstGeom prst="bentConnector5">
+            <a:avLst>
+              <a:gd name="adj1" fmla="val -7647"/>
+              <a:gd name="adj2" fmla="val 50000"/>
+              <a:gd name="adj3" fmla="val 107647"/>
+            </a:avLst>
           </a:prstGeom>
-          <a:ln w="38100" cmpd="dbl">
+          <a:ln w="25400">
             <a:prstDash val="dash"/>
-            <a:headEnd type="arrow" w="med" len="med"/>
-            <a:tailEnd type="arrow" w="med" len="med"/>
+            <a:headEnd type="triangle"/>
+            <a:tailEnd type="triangle"/>
           </a:ln>
         </p:spPr>
         <p:style>
